--- a/tutorials/pipelines/tut_a_fun_bud/vector files/fig11d1_medium.pptx
+++ b/tutorials/pipelines/tut_a_fun_bud/vector files/fig11d1_medium.pptx
@@ -2,12 +2,12 @@
 <file path=ppt/presentation.xml><?xml version="1.0" encoding="utf-8"?>
 <p:presentation xmlns:a="http://schemas.openxmlformats.org/drawingml/2006/main" xmlns:r="http://schemas.openxmlformats.org/officeDocument/2006/relationships" xmlns:p="http://schemas.openxmlformats.org/presentationml/2006/main" saveSubsetFonts="1">
   <p:sldMasterIdLst>
-    <p:sldMasterId id="2147483780" r:id="rId1"/>
+    <p:sldMasterId id="2147483768" r:id="rId1"/>
   </p:sldMasterIdLst>
   <p:sldIdLst>
     <p:sldId id="256" r:id="rId2"/>
   </p:sldIdLst>
-  <p:sldSz cx="4267200" cy="3060700"/>
+  <p:sldSz cx="4267200" cy="2700338"/>
   <p:notesSz cx="6858000" cy="9144000"/>
   <p:defaultTextStyle>
     <a:defPPr>
@@ -141,15 +141,15 @@
         </p:nvSpPr>
         <p:spPr>
           <a:xfrm>
-            <a:off x="320040" y="500906"/>
-            <a:ext cx="3627120" cy="1065577"/>
+            <a:off x="533400" y="441930"/>
+            <a:ext cx="3200400" cy="940118"/>
           </a:xfrm>
         </p:spPr>
         <p:txBody>
           <a:bodyPr anchor="b"/>
           <a:lstStyle>
             <a:lvl1pPr algn="ctr">
-              <a:defRPr sz="2678"/>
+              <a:defRPr sz="2100"/>
             </a:lvl1pPr>
           </a:lstStyle>
           <a:p>
@@ -173,8 +173,8 @@
         </p:nvSpPr>
         <p:spPr>
           <a:xfrm>
-            <a:off x="533400" y="1607576"/>
-            <a:ext cx="3200400" cy="738960"/>
+            <a:off x="533400" y="1418303"/>
+            <a:ext cx="3200400" cy="651956"/>
           </a:xfrm>
         </p:spPr>
         <p:txBody>
@@ -182,39 +182,39 @@
           <a:lstStyle>
             <a:lvl1pPr marL="0" indent="0" algn="ctr">
               <a:buNone/>
-              <a:defRPr sz="1071"/>
+              <a:defRPr sz="840"/>
             </a:lvl1pPr>
-            <a:lvl2pPr marL="204048" indent="0" algn="ctr">
-              <a:buNone/>
-              <a:defRPr sz="893"/>
+            <a:lvl2pPr marL="160020" indent="0" algn="ctr">
+              <a:buNone/>
+              <a:defRPr sz="700"/>
             </a:lvl2pPr>
-            <a:lvl3pPr marL="408097" indent="0" algn="ctr">
-              <a:buNone/>
-              <a:defRPr sz="803"/>
+            <a:lvl3pPr marL="320040" indent="0" algn="ctr">
+              <a:buNone/>
+              <a:defRPr sz="630"/>
             </a:lvl3pPr>
-            <a:lvl4pPr marL="612145" indent="0" algn="ctr">
-              <a:buNone/>
-              <a:defRPr sz="714"/>
+            <a:lvl4pPr marL="480060" indent="0" algn="ctr">
+              <a:buNone/>
+              <a:defRPr sz="560"/>
             </a:lvl4pPr>
-            <a:lvl5pPr marL="816193" indent="0" algn="ctr">
-              <a:buNone/>
-              <a:defRPr sz="714"/>
+            <a:lvl5pPr marL="640080" indent="0" algn="ctr">
+              <a:buNone/>
+              <a:defRPr sz="560"/>
             </a:lvl5pPr>
-            <a:lvl6pPr marL="1020242" indent="0" algn="ctr">
-              <a:buNone/>
-              <a:defRPr sz="714"/>
+            <a:lvl6pPr marL="800100" indent="0" algn="ctr">
+              <a:buNone/>
+              <a:defRPr sz="560"/>
             </a:lvl6pPr>
-            <a:lvl7pPr marL="1224290" indent="0" algn="ctr">
-              <a:buNone/>
-              <a:defRPr sz="714"/>
+            <a:lvl7pPr marL="960120" indent="0" algn="ctr">
+              <a:buNone/>
+              <a:defRPr sz="560"/>
             </a:lvl7pPr>
-            <a:lvl8pPr marL="1428339" indent="0" algn="ctr">
-              <a:buNone/>
-              <a:defRPr sz="714"/>
+            <a:lvl8pPr marL="1120140" indent="0" algn="ctr">
+              <a:buNone/>
+              <a:defRPr sz="560"/>
             </a:lvl8pPr>
-            <a:lvl9pPr marL="1632387" indent="0" algn="ctr">
-              <a:buNone/>
-              <a:defRPr sz="714"/>
+            <a:lvl9pPr marL="1280160" indent="0" algn="ctr">
+              <a:buNone/>
+              <a:defRPr sz="560"/>
             </a:lvl9pPr>
           </a:lstStyle>
           <a:p>
@@ -243,7 +243,7 @@
           <a:p>
             <a:fld id="{CA1BB51F-BFC6-4DD3-8C2A-5B21FD6F69C3}" type="datetimeFigureOut">
               <a:rPr lang="en-SE" smtClean="0"/>
-              <a:t>10/01/2023</a:t>
+              <a:t>2023-10-05</a:t>
             </a:fld>
             <a:endParaRPr lang="en-SE"/>
           </a:p>
@@ -294,7 +294,7 @@
     </p:spTree>
     <p:extLst>
       <p:ext uri="{BB962C8B-B14F-4D97-AF65-F5344CB8AC3E}">
-        <p14:creationId xmlns:p14="http://schemas.microsoft.com/office/powerpoint/2010/main" val="1171763374"/>
+        <p14:creationId xmlns:p14="http://schemas.microsoft.com/office/powerpoint/2010/main" val="145214611"/>
       </p:ext>
     </p:extLst>
   </p:cSld>
@@ -413,7 +413,7 @@
           <a:p>
             <a:fld id="{CA1BB51F-BFC6-4DD3-8C2A-5B21FD6F69C3}" type="datetimeFigureOut">
               <a:rPr lang="en-SE" smtClean="0"/>
-              <a:t>10/01/2023</a:t>
+              <a:t>2023-10-05</a:t>
             </a:fld>
             <a:endParaRPr lang="en-SE"/>
           </a:p>
@@ -464,7 +464,7 @@
     </p:spTree>
     <p:extLst>
       <p:ext uri="{BB962C8B-B14F-4D97-AF65-F5344CB8AC3E}">
-        <p14:creationId xmlns:p14="http://schemas.microsoft.com/office/powerpoint/2010/main" val="2631697390"/>
+        <p14:creationId xmlns:p14="http://schemas.microsoft.com/office/powerpoint/2010/main" val="1268600281"/>
       </p:ext>
     </p:extLst>
   </p:cSld>
@@ -503,8 +503,8 @@
         </p:nvSpPr>
         <p:spPr>
           <a:xfrm>
-            <a:off x="3053715" y="162954"/>
-            <a:ext cx="920115" cy="2593802"/>
+            <a:off x="3053715" y="143768"/>
+            <a:ext cx="920115" cy="2288412"/>
           </a:xfrm>
         </p:spPr>
         <p:txBody>
@@ -531,8 +531,8 @@
         </p:nvSpPr>
         <p:spPr>
           <a:xfrm>
-            <a:off x="293370" y="162954"/>
-            <a:ext cx="2707005" cy="2593802"/>
+            <a:off x="293370" y="143768"/>
+            <a:ext cx="2707005" cy="2288412"/>
           </a:xfrm>
         </p:spPr>
         <p:txBody>
@@ -593,7 +593,7 @@
           <a:p>
             <a:fld id="{CA1BB51F-BFC6-4DD3-8C2A-5B21FD6F69C3}" type="datetimeFigureOut">
               <a:rPr lang="en-SE" smtClean="0"/>
-              <a:t>10/01/2023</a:t>
+              <a:t>2023-10-05</a:t>
             </a:fld>
             <a:endParaRPr lang="en-SE"/>
           </a:p>
@@ -644,7 +644,7 @@
     </p:spTree>
     <p:extLst>
       <p:ext uri="{BB962C8B-B14F-4D97-AF65-F5344CB8AC3E}">
-        <p14:creationId xmlns:p14="http://schemas.microsoft.com/office/powerpoint/2010/main" val="2813003623"/>
+        <p14:creationId xmlns:p14="http://schemas.microsoft.com/office/powerpoint/2010/main" val="2222150343"/>
       </p:ext>
     </p:extLst>
   </p:cSld>
@@ -763,7 +763,7 @@
           <a:p>
             <a:fld id="{CA1BB51F-BFC6-4DD3-8C2A-5B21FD6F69C3}" type="datetimeFigureOut">
               <a:rPr lang="en-SE" smtClean="0"/>
-              <a:t>10/01/2023</a:t>
+              <a:t>2023-10-05</a:t>
             </a:fld>
             <a:endParaRPr lang="en-SE"/>
           </a:p>
@@ -814,7 +814,7 @@
     </p:spTree>
     <p:extLst>
       <p:ext uri="{BB962C8B-B14F-4D97-AF65-F5344CB8AC3E}">
-        <p14:creationId xmlns:p14="http://schemas.microsoft.com/office/powerpoint/2010/main" val="1619630668"/>
+        <p14:creationId xmlns:p14="http://schemas.microsoft.com/office/powerpoint/2010/main" val="2938924905"/>
       </p:ext>
     </p:extLst>
   </p:cSld>
@@ -853,15 +853,15 @@
         </p:nvSpPr>
         <p:spPr>
           <a:xfrm>
-            <a:off x="291148" y="763050"/>
-            <a:ext cx="3680460" cy="1273166"/>
+            <a:off x="291148" y="673210"/>
+            <a:ext cx="3680460" cy="1123265"/>
           </a:xfrm>
         </p:spPr>
         <p:txBody>
           <a:bodyPr anchor="b"/>
           <a:lstStyle>
             <a:lvl1pPr>
-              <a:defRPr sz="2678"/>
+              <a:defRPr sz="2100"/>
             </a:lvl1pPr>
           </a:lstStyle>
           <a:p>
@@ -885,8 +885,8 @@
         </p:nvSpPr>
         <p:spPr>
           <a:xfrm>
-            <a:off x="291148" y="2048261"/>
-            <a:ext cx="3680460" cy="669528"/>
+            <a:off x="291148" y="1807101"/>
+            <a:ext cx="3680460" cy="590699"/>
           </a:xfrm>
         </p:spPr>
         <p:txBody>
@@ -894,15 +894,17 @@
           <a:lstStyle>
             <a:lvl1pPr marL="0" indent="0">
               <a:buNone/>
-              <a:defRPr sz="1071">
+              <a:defRPr sz="840">
                 <a:solidFill>
-                  <a:schemeClr val="tx1"/>
+                  <a:schemeClr val="tx1">
+                    <a:tint val="75000"/>
+                  </a:schemeClr>
                 </a:solidFill>
               </a:defRPr>
             </a:lvl1pPr>
-            <a:lvl2pPr marL="204048" indent="0">
-              <a:buNone/>
-              <a:defRPr sz="893">
+            <a:lvl2pPr marL="160020" indent="0">
+              <a:buNone/>
+              <a:defRPr sz="700">
                 <a:solidFill>
                   <a:schemeClr val="tx1">
                     <a:tint val="75000"/>
@@ -910,9 +912,9 @@
                 </a:solidFill>
               </a:defRPr>
             </a:lvl2pPr>
-            <a:lvl3pPr marL="408097" indent="0">
-              <a:buNone/>
-              <a:defRPr sz="803">
+            <a:lvl3pPr marL="320040" indent="0">
+              <a:buNone/>
+              <a:defRPr sz="630">
                 <a:solidFill>
                   <a:schemeClr val="tx1">
                     <a:tint val="75000"/>
@@ -920,9 +922,9 @@
                 </a:solidFill>
               </a:defRPr>
             </a:lvl3pPr>
-            <a:lvl4pPr marL="612145" indent="0">
-              <a:buNone/>
-              <a:defRPr sz="714">
+            <a:lvl4pPr marL="480060" indent="0">
+              <a:buNone/>
+              <a:defRPr sz="560">
                 <a:solidFill>
                   <a:schemeClr val="tx1">
                     <a:tint val="75000"/>
@@ -930,9 +932,9 @@
                 </a:solidFill>
               </a:defRPr>
             </a:lvl4pPr>
-            <a:lvl5pPr marL="816193" indent="0">
-              <a:buNone/>
-              <a:defRPr sz="714">
+            <a:lvl5pPr marL="640080" indent="0">
+              <a:buNone/>
+              <a:defRPr sz="560">
                 <a:solidFill>
                   <a:schemeClr val="tx1">
                     <a:tint val="75000"/>
@@ -940,9 +942,9 @@
                 </a:solidFill>
               </a:defRPr>
             </a:lvl5pPr>
-            <a:lvl6pPr marL="1020242" indent="0">
-              <a:buNone/>
-              <a:defRPr sz="714">
+            <a:lvl6pPr marL="800100" indent="0">
+              <a:buNone/>
+              <a:defRPr sz="560">
                 <a:solidFill>
                   <a:schemeClr val="tx1">
                     <a:tint val="75000"/>
@@ -950,9 +952,9 @@
                 </a:solidFill>
               </a:defRPr>
             </a:lvl6pPr>
-            <a:lvl7pPr marL="1224290" indent="0">
-              <a:buNone/>
-              <a:defRPr sz="714">
+            <a:lvl7pPr marL="960120" indent="0">
+              <a:buNone/>
+              <a:defRPr sz="560">
                 <a:solidFill>
                   <a:schemeClr val="tx1">
                     <a:tint val="75000"/>
@@ -960,9 +962,9 @@
                 </a:solidFill>
               </a:defRPr>
             </a:lvl7pPr>
-            <a:lvl8pPr marL="1428339" indent="0">
-              <a:buNone/>
-              <a:defRPr sz="714">
+            <a:lvl8pPr marL="1120140" indent="0">
+              <a:buNone/>
+              <a:defRPr sz="560">
                 <a:solidFill>
                   <a:schemeClr val="tx1">
                     <a:tint val="75000"/>
@@ -970,9 +972,9 @@
                 </a:solidFill>
               </a:defRPr>
             </a:lvl8pPr>
-            <a:lvl9pPr marL="1632387" indent="0">
-              <a:buNone/>
-              <a:defRPr sz="714">
+            <a:lvl9pPr marL="1280160" indent="0">
+              <a:buNone/>
+              <a:defRPr sz="560">
                 <a:solidFill>
                   <a:schemeClr val="tx1">
                     <a:tint val="75000"/>
@@ -1007,7 +1009,7 @@
           <a:p>
             <a:fld id="{CA1BB51F-BFC6-4DD3-8C2A-5B21FD6F69C3}" type="datetimeFigureOut">
               <a:rPr lang="en-SE" smtClean="0"/>
-              <a:t>10/01/2023</a:t>
+              <a:t>2023-10-05</a:t>
             </a:fld>
             <a:endParaRPr lang="en-SE"/>
           </a:p>
@@ -1058,7 +1060,7 @@
     </p:spTree>
     <p:extLst>
       <p:ext uri="{BB962C8B-B14F-4D97-AF65-F5344CB8AC3E}">
-        <p14:creationId xmlns:p14="http://schemas.microsoft.com/office/powerpoint/2010/main" val="1927412988"/>
+        <p14:creationId xmlns:p14="http://schemas.microsoft.com/office/powerpoint/2010/main" val="1931857066"/>
       </p:ext>
     </p:extLst>
   </p:cSld>
@@ -1120,8 +1122,8 @@
         </p:nvSpPr>
         <p:spPr>
           <a:xfrm>
-            <a:off x="293370" y="814770"/>
-            <a:ext cx="1813560" cy="1941986"/>
+            <a:off x="293370" y="718840"/>
+            <a:ext cx="1813560" cy="1713340"/>
           </a:xfrm>
         </p:spPr>
         <p:txBody>
@@ -1177,8 +1179,8 @@
         </p:nvSpPr>
         <p:spPr>
           <a:xfrm>
-            <a:off x="2160270" y="814770"/>
-            <a:ext cx="1813560" cy="1941986"/>
+            <a:off x="2160270" y="718840"/>
+            <a:ext cx="1813560" cy="1713340"/>
           </a:xfrm>
         </p:spPr>
         <p:txBody>
@@ -1239,7 +1241,7 @@
           <a:p>
             <a:fld id="{CA1BB51F-BFC6-4DD3-8C2A-5B21FD6F69C3}" type="datetimeFigureOut">
               <a:rPr lang="en-SE" smtClean="0"/>
-              <a:t>10/01/2023</a:t>
+              <a:t>2023-10-05</a:t>
             </a:fld>
             <a:endParaRPr lang="en-SE"/>
           </a:p>
@@ -1290,7 +1292,7 @@
     </p:spTree>
     <p:extLst>
       <p:ext uri="{BB962C8B-B14F-4D97-AF65-F5344CB8AC3E}">
-        <p14:creationId xmlns:p14="http://schemas.microsoft.com/office/powerpoint/2010/main" val="2648073752"/>
+        <p14:creationId xmlns:p14="http://schemas.microsoft.com/office/powerpoint/2010/main" val="91554295"/>
       </p:ext>
     </p:extLst>
   </p:cSld>
@@ -1329,8 +1331,8 @@
         </p:nvSpPr>
         <p:spPr>
           <a:xfrm>
-            <a:off x="293926" y="162955"/>
-            <a:ext cx="3680460" cy="591594"/>
+            <a:off x="293926" y="143768"/>
+            <a:ext cx="3680460" cy="521941"/>
           </a:xfrm>
         </p:spPr>
         <p:txBody>
@@ -1357,8 +1359,8 @@
         </p:nvSpPr>
         <p:spPr>
           <a:xfrm>
-            <a:off x="293926" y="750297"/>
-            <a:ext cx="1805225" cy="367709"/>
+            <a:off x="293926" y="661958"/>
+            <a:ext cx="1805225" cy="324415"/>
           </a:xfrm>
         </p:spPr>
         <p:txBody>
@@ -1366,39 +1368,39 @@
           <a:lstStyle>
             <a:lvl1pPr marL="0" indent="0">
               <a:buNone/>
-              <a:defRPr sz="1071" b="1"/>
+              <a:defRPr sz="840" b="1"/>
             </a:lvl1pPr>
-            <a:lvl2pPr marL="204048" indent="0">
-              <a:buNone/>
-              <a:defRPr sz="893" b="1"/>
+            <a:lvl2pPr marL="160020" indent="0">
+              <a:buNone/>
+              <a:defRPr sz="700" b="1"/>
             </a:lvl2pPr>
-            <a:lvl3pPr marL="408097" indent="0">
-              <a:buNone/>
-              <a:defRPr sz="803" b="1"/>
+            <a:lvl3pPr marL="320040" indent="0">
+              <a:buNone/>
+              <a:defRPr sz="630" b="1"/>
             </a:lvl3pPr>
-            <a:lvl4pPr marL="612145" indent="0">
-              <a:buNone/>
-              <a:defRPr sz="714" b="1"/>
+            <a:lvl4pPr marL="480060" indent="0">
+              <a:buNone/>
+              <a:defRPr sz="560" b="1"/>
             </a:lvl4pPr>
-            <a:lvl5pPr marL="816193" indent="0">
-              <a:buNone/>
-              <a:defRPr sz="714" b="1"/>
+            <a:lvl5pPr marL="640080" indent="0">
+              <a:buNone/>
+              <a:defRPr sz="560" b="1"/>
             </a:lvl5pPr>
-            <a:lvl6pPr marL="1020242" indent="0">
-              <a:buNone/>
-              <a:defRPr sz="714" b="1"/>
+            <a:lvl6pPr marL="800100" indent="0">
+              <a:buNone/>
+              <a:defRPr sz="560" b="1"/>
             </a:lvl6pPr>
-            <a:lvl7pPr marL="1224290" indent="0">
-              <a:buNone/>
-              <a:defRPr sz="714" b="1"/>
+            <a:lvl7pPr marL="960120" indent="0">
+              <a:buNone/>
+              <a:defRPr sz="560" b="1"/>
             </a:lvl7pPr>
-            <a:lvl8pPr marL="1428339" indent="0">
-              <a:buNone/>
-              <a:defRPr sz="714" b="1"/>
+            <a:lvl8pPr marL="1120140" indent="0">
+              <a:buNone/>
+              <a:defRPr sz="560" b="1"/>
             </a:lvl8pPr>
-            <a:lvl9pPr marL="1632387" indent="0">
-              <a:buNone/>
-              <a:defRPr sz="714" b="1"/>
+            <a:lvl9pPr marL="1280160" indent="0">
+              <a:buNone/>
+              <a:defRPr sz="560" b="1"/>
             </a:lvl9pPr>
           </a:lstStyle>
           <a:p>
@@ -1422,8 +1424,8 @@
         </p:nvSpPr>
         <p:spPr>
           <a:xfrm>
-            <a:off x="293926" y="1118006"/>
-            <a:ext cx="1805225" cy="1644418"/>
+            <a:off x="293926" y="986373"/>
+            <a:ext cx="1805225" cy="1450807"/>
           </a:xfrm>
         </p:spPr>
         <p:txBody>
@@ -1479,8 +1481,8 @@
         </p:nvSpPr>
         <p:spPr>
           <a:xfrm>
-            <a:off x="2160270" y="750297"/>
-            <a:ext cx="1814116" cy="367709"/>
+            <a:off x="2160270" y="661958"/>
+            <a:ext cx="1814116" cy="324415"/>
           </a:xfrm>
         </p:spPr>
         <p:txBody>
@@ -1488,39 +1490,39 @@
           <a:lstStyle>
             <a:lvl1pPr marL="0" indent="0">
               <a:buNone/>
-              <a:defRPr sz="1071" b="1"/>
+              <a:defRPr sz="840" b="1"/>
             </a:lvl1pPr>
-            <a:lvl2pPr marL="204048" indent="0">
-              <a:buNone/>
-              <a:defRPr sz="893" b="1"/>
+            <a:lvl2pPr marL="160020" indent="0">
+              <a:buNone/>
+              <a:defRPr sz="700" b="1"/>
             </a:lvl2pPr>
-            <a:lvl3pPr marL="408097" indent="0">
-              <a:buNone/>
-              <a:defRPr sz="803" b="1"/>
+            <a:lvl3pPr marL="320040" indent="0">
+              <a:buNone/>
+              <a:defRPr sz="630" b="1"/>
             </a:lvl3pPr>
-            <a:lvl4pPr marL="612145" indent="0">
-              <a:buNone/>
-              <a:defRPr sz="714" b="1"/>
+            <a:lvl4pPr marL="480060" indent="0">
+              <a:buNone/>
+              <a:defRPr sz="560" b="1"/>
             </a:lvl4pPr>
-            <a:lvl5pPr marL="816193" indent="0">
-              <a:buNone/>
-              <a:defRPr sz="714" b="1"/>
+            <a:lvl5pPr marL="640080" indent="0">
+              <a:buNone/>
+              <a:defRPr sz="560" b="1"/>
             </a:lvl5pPr>
-            <a:lvl6pPr marL="1020242" indent="0">
-              <a:buNone/>
-              <a:defRPr sz="714" b="1"/>
+            <a:lvl6pPr marL="800100" indent="0">
+              <a:buNone/>
+              <a:defRPr sz="560" b="1"/>
             </a:lvl6pPr>
-            <a:lvl7pPr marL="1224290" indent="0">
-              <a:buNone/>
-              <a:defRPr sz="714" b="1"/>
+            <a:lvl7pPr marL="960120" indent="0">
+              <a:buNone/>
+              <a:defRPr sz="560" b="1"/>
             </a:lvl7pPr>
-            <a:lvl8pPr marL="1428339" indent="0">
-              <a:buNone/>
-              <a:defRPr sz="714" b="1"/>
+            <a:lvl8pPr marL="1120140" indent="0">
+              <a:buNone/>
+              <a:defRPr sz="560" b="1"/>
             </a:lvl8pPr>
-            <a:lvl9pPr marL="1632387" indent="0">
-              <a:buNone/>
-              <a:defRPr sz="714" b="1"/>
+            <a:lvl9pPr marL="1280160" indent="0">
+              <a:buNone/>
+              <a:defRPr sz="560" b="1"/>
             </a:lvl9pPr>
           </a:lstStyle>
           <a:p>
@@ -1544,8 +1546,8 @@
         </p:nvSpPr>
         <p:spPr>
           <a:xfrm>
-            <a:off x="2160270" y="1118006"/>
-            <a:ext cx="1814116" cy="1644418"/>
+            <a:off x="2160270" y="986373"/>
+            <a:ext cx="1814116" cy="1450807"/>
           </a:xfrm>
         </p:spPr>
         <p:txBody>
@@ -1606,7 +1608,7 @@
           <a:p>
             <a:fld id="{CA1BB51F-BFC6-4DD3-8C2A-5B21FD6F69C3}" type="datetimeFigureOut">
               <a:rPr lang="en-SE" smtClean="0"/>
-              <a:t>10/01/2023</a:t>
+              <a:t>2023-10-05</a:t>
             </a:fld>
             <a:endParaRPr lang="en-SE"/>
           </a:p>
@@ -1657,7 +1659,7 @@
     </p:spTree>
     <p:extLst>
       <p:ext uri="{BB962C8B-B14F-4D97-AF65-F5344CB8AC3E}">
-        <p14:creationId xmlns:p14="http://schemas.microsoft.com/office/powerpoint/2010/main" val="2183423587"/>
+        <p14:creationId xmlns:p14="http://schemas.microsoft.com/office/powerpoint/2010/main" val="3382484599"/>
       </p:ext>
     </p:extLst>
   </p:cSld>
@@ -1724,7 +1726,7 @@
           <a:p>
             <a:fld id="{CA1BB51F-BFC6-4DD3-8C2A-5B21FD6F69C3}" type="datetimeFigureOut">
               <a:rPr lang="en-SE" smtClean="0"/>
-              <a:t>10/01/2023</a:t>
+              <a:t>2023-10-05</a:t>
             </a:fld>
             <a:endParaRPr lang="en-SE"/>
           </a:p>
@@ -1775,7 +1777,7 @@
     </p:spTree>
     <p:extLst>
       <p:ext uri="{BB962C8B-B14F-4D97-AF65-F5344CB8AC3E}">
-        <p14:creationId xmlns:p14="http://schemas.microsoft.com/office/powerpoint/2010/main" val="4149647200"/>
+        <p14:creationId xmlns:p14="http://schemas.microsoft.com/office/powerpoint/2010/main" val="3511853482"/>
       </p:ext>
     </p:extLst>
   </p:cSld>
@@ -1819,7 +1821,7 @@
           <a:p>
             <a:fld id="{CA1BB51F-BFC6-4DD3-8C2A-5B21FD6F69C3}" type="datetimeFigureOut">
               <a:rPr lang="en-SE" smtClean="0"/>
-              <a:t>10/01/2023</a:t>
+              <a:t>2023-10-05</a:t>
             </a:fld>
             <a:endParaRPr lang="en-SE"/>
           </a:p>
@@ -1870,7 +1872,7 @@
     </p:spTree>
     <p:extLst>
       <p:ext uri="{BB962C8B-B14F-4D97-AF65-F5344CB8AC3E}">
-        <p14:creationId xmlns:p14="http://schemas.microsoft.com/office/powerpoint/2010/main" val="3020103826"/>
+        <p14:creationId xmlns:p14="http://schemas.microsoft.com/office/powerpoint/2010/main" val="2530389400"/>
       </p:ext>
     </p:extLst>
   </p:cSld>
@@ -1909,15 +1911,15 @@
         </p:nvSpPr>
         <p:spPr>
           <a:xfrm>
-            <a:off x="293926" y="204047"/>
-            <a:ext cx="1376283" cy="714163"/>
+            <a:off x="293926" y="180022"/>
+            <a:ext cx="1376283" cy="630079"/>
           </a:xfrm>
         </p:spPr>
         <p:txBody>
           <a:bodyPr anchor="b"/>
           <a:lstStyle>
             <a:lvl1pPr>
-              <a:defRPr sz="1428"/>
+              <a:defRPr sz="1120"/>
             </a:lvl1pPr>
           </a:lstStyle>
           <a:p>
@@ -1941,39 +1943,39 @@
         </p:nvSpPr>
         <p:spPr>
           <a:xfrm>
-            <a:off x="1814116" y="440685"/>
-            <a:ext cx="2160270" cy="2175081"/>
+            <a:off x="1814116" y="388799"/>
+            <a:ext cx="2160270" cy="1918990"/>
           </a:xfrm>
         </p:spPr>
         <p:txBody>
           <a:bodyPr/>
           <a:lstStyle>
             <a:lvl1pPr>
-              <a:defRPr sz="1428"/>
+              <a:defRPr sz="1120"/>
             </a:lvl1pPr>
             <a:lvl2pPr>
-              <a:defRPr sz="1250"/>
+              <a:defRPr sz="980"/>
             </a:lvl2pPr>
             <a:lvl3pPr>
-              <a:defRPr sz="1071"/>
+              <a:defRPr sz="840"/>
             </a:lvl3pPr>
             <a:lvl4pPr>
-              <a:defRPr sz="893"/>
+              <a:defRPr sz="700"/>
             </a:lvl4pPr>
             <a:lvl5pPr>
-              <a:defRPr sz="893"/>
+              <a:defRPr sz="700"/>
             </a:lvl5pPr>
             <a:lvl6pPr>
-              <a:defRPr sz="893"/>
+              <a:defRPr sz="700"/>
             </a:lvl6pPr>
             <a:lvl7pPr>
-              <a:defRPr sz="893"/>
+              <a:defRPr sz="700"/>
             </a:lvl7pPr>
             <a:lvl8pPr>
-              <a:defRPr sz="893"/>
+              <a:defRPr sz="700"/>
             </a:lvl8pPr>
             <a:lvl9pPr>
-              <a:defRPr sz="893"/>
+              <a:defRPr sz="700"/>
             </a:lvl9pPr>
           </a:lstStyle>
           <a:p>
@@ -2026,8 +2028,8 @@
         </p:nvSpPr>
         <p:spPr>
           <a:xfrm>
-            <a:off x="293926" y="918210"/>
-            <a:ext cx="1376283" cy="1701098"/>
+            <a:off x="293926" y="810101"/>
+            <a:ext cx="1376283" cy="1500813"/>
           </a:xfrm>
         </p:spPr>
         <p:txBody>
@@ -2035,39 +2037,39 @@
           <a:lstStyle>
             <a:lvl1pPr marL="0" indent="0">
               <a:buNone/>
-              <a:defRPr sz="714"/>
+              <a:defRPr sz="560"/>
             </a:lvl1pPr>
-            <a:lvl2pPr marL="204048" indent="0">
-              <a:buNone/>
-              <a:defRPr sz="625"/>
+            <a:lvl2pPr marL="160020" indent="0">
+              <a:buNone/>
+              <a:defRPr sz="490"/>
             </a:lvl2pPr>
-            <a:lvl3pPr marL="408097" indent="0">
-              <a:buNone/>
-              <a:defRPr sz="536"/>
+            <a:lvl3pPr marL="320040" indent="0">
+              <a:buNone/>
+              <a:defRPr sz="420"/>
             </a:lvl3pPr>
-            <a:lvl4pPr marL="612145" indent="0">
-              <a:buNone/>
-              <a:defRPr sz="446"/>
+            <a:lvl4pPr marL="480060" indent="0">
+              <a:buNone/>
+              <a:defRPr sz="350"/>
             </a:lvl4pPr>
-            <a:lvl5pPr marL="816193" indent="0">
-              <a:buNone/>
-              <a:defRPr sz="446"/>
+            <a:lvl5pPr marL="640080" indent="0">
+              <a:buNone/>
+              <a:defRPr sz="350"/>
             </a:lvl5pPr>
-            <a:lvl6pPr marL="1020242" indent="0">
-              <a:buNone/>
-              <a:defRPr sz="446"/>
+            <a:lvl6pPr marL="800100" indent="0">
+              <a:buNone/>
+              <a:defRPr sz="350"/>
             </a:lvl6pPr>
-            <a:lvl7pPr marL="1224290" indent="0">
-              <a:buNone/>
-              <a:defRPr sz="446"/>
+            <a:lvl7pPr marL="960120" indent="0">
+              <a:buNone/>
+              <a:defRPr sz="350"/>
             </a:lvl7pPr>
-            <a:lvl8pPr marL="1428339" indent="0">
-              <a:buNone/>
-              <a:defRPr sz="446"/>
+            <a:lvl8pPr marL="1120140" indent="0">
+              <a:buNone/>
+              <a:defRPr sz="350"/>
             </a:lvl8pPr>
-            <a:lvl9pPr marL="1632387" indent="0">
-              <a:buNone/>
-              <a:defRPr sz="446"/>
+            <a:lvl9pPr marL="1280160" indent="0">
+              <a:buNone/>
+              <a:defRPr sz="350"/>
             </a:lvl9pPr>
           </a:lstStyle>
           <a:p>
@@ -2096,7 +2098,7 @@
           <a:p>
             <a:fld id="{CA1BB51F-BFC6-4DD3-8C2A-5B21FD6F69C3}" type="datetimeFigureOut">
               <a:rPr lang="en-SE" smtClean="0"/>
-              <a:t>10/01/2023</a:t>
+              <a:t>2023-10-05</a:t>
             </a:fld>
             <a:endParaRPr lang="en-SE"/>
           </a:p>
@@ -2147,7 +2149,7 @@
     </p:spTree>
     <p:extLst>
       <p:ext uri="{BB962C8B-B14F-4D97-AF65-F5344CB8AC3E}">
-        <p14:creationId xmlns:p14="http://schemas.microsoft.com/office/powerpoint/2010/main" val="2597206534"/>
+        <p14:creationId xmlns:p14="http://schemas.microsoft.com/office/powerpoint/2010/main" val="282768898"/>
       </p:ext>
     </p:extLst>
   </p:cSld>
@@ -2186,15 +2188,15 @@
         </p:nvSpPr>
         <p:spPr>
           <a:xfrm>
-            <a:off x="293926" y="204047"/>
-            <a:ext cx="1376283" cy="714163"/>
+            <a:off x="293926" y="180022"/>
+            <a:ext cx="1376283" cy="630079"/>
           </a:xfrm>
         </p:spPr>
         <p:txBody>
           <a:bodyPr anchor="b"/>
           <a:lstStyle>
             <a:lvl1pPr>
-              <a:defRPr sz="1428"/>
+              <a:defRPr sz="1120"/>
             </a:lvl1pPr>
           </a:lstStyle>
           <a:p>
@@ -2218,8 +2220,8 @@
         </p:nvSpPr>
         <p:spPr>
           <a:xfrm>
-            <a:off x="1814116" y="440685"/>
-            <a:ext cx="2160270" cy="2175081"/>
+            <a:off x="1814116" y="388799"/>
+            <a:ext cx="2160270" cy="1918990"/>
           </a:xfrm>
         </p:spPr>
         <p:txBody>
@@ -2227,39 +2229,39 @@
           <a:lstStyle>
             <a:lvl1pPr marL="0" indent="0">
               <a:buNone/>
-              <a:defRPr sz="1428"/>
+              <a:defRPr sz="1120"/>
             </a:lvl1pPr>
-            <a:lvl2pPr marL="204048" indent="0">
-              <a:buNone/>
-              <a:defRPr sz="1250"/>
+            <a:lvl2pPr marL="160020" indent="0">
+              <a:buNone/>
+              <a:defRPr sz="980"/>
             </a:lvl2pPr>
-            <a:lvl3pPr marL="408097" indent="0">
-              <a:buNone/>
-              <a:defRPr sz="1071"/>
+            <a:lvl3pPr marL="320040" indent="0">
+              <a:buNone/>
+              <a:defRPr sz="840"/>
             </a:lvl3pPr>
-            <a:lvl4pPr marL="612145" indent="0">
-              <a:buNone/>
-              <a:defRPr sz="893"/>
+            <a:lvl4pPr marL="480060" indent="0">
+              <a:buNone/>
+              <a:defRPr sz="700"/>
             </a:lvl4pPr>
-            <a:lvl5pPr marL="816193" indent="0">
-              <a:buNone/>
-              <a:defRPr sz="893"/>
+            <a:lvl5pPr marL="640080" indent="0">
+              <a:buNone/>
+              <a:defRPr sz="700"/>
             </a:lvl5pPr>
-            <a:lvl6pPr marL="1020242" indent="0">
-              <a:buNone/>
-              <a:defRPr sz="893"/>
+            <a:lvl6pPr marL="800100" indent="0">
+              <a:buNone/>
+              <a:defRPr sz="700"/>
             </a:lvl6pPr>
-            <a:lvl7pPr marL="1224290" indent="0">
-              <a:buNone/>
-              <a:defRPr sz="893"/>
+            <a:lvl7pPr marL="960120" indent="0">
+              <a:buNone/>
+              <a:defRPr sz="700"/>
             </a:lvl7pPr>
-            <a:lvl8pPr marL="1428339" indent="0">
-              <a:buNone/>
-              <a:defRPr sz="893"/>
+            <a:lvl8pPr marL="1120140" indent="0">
+              <a:buNone/>
+              <a:defRPr sz="700"/>
             </a:lvl8pPr>
-            <a:lvl9pPr marL="1632387" indent="0">
-              <a:buNone/>
-              <a:defRPr sz="893"/>
+            <a:lvl9pPr marL="1280160" indent="0">
+              <a:buNone/>
+              <a:defRPr sz="700"/>
             </a:lvl9pPr>
           </a:lstStyle>
           <a:p>
@@ -2283,8 +2285,8 @@
         </p:nvSpPr>
         <p:spPr>
           <a:xfrm>
-            <a:off x="293926" y="918210"/>
-            <a:ext cx="1376283" cy="1701098"/>
+            <a:off x="293926" y="810101"/>
+            <a:ext cx="1376283" cy="1500813"/>
           </a:xfrm>
         </p:spPr>
         <p:txBody>
@@ -2292,39 +2294,39 @@
           <a:lstStyle>
             <a:lvl1pPr marL="0" indent="0">
               <a:buNone/>
-              <a:defRPr sz="714"/>
+              <a:defRPr sz="560"/>
             </a:lvl1pPr>
-            <a:lvl2pPr marL="204048" indent="0">
-              <a:buNone/>
-              <a:defRPr sz="625"/>
+            <a:lvl2pPr marL="160020" indent="0">
+              <a:buNone/>
+              <a:defRPr sz="490"/>
             </a:lvl2pPr>
-            <a:lvl3pPr marL="408097" indent="0">
-              <a:buNone/>
-              <a:defRPr sz="536"/>
+            <a:lvl3pPr marL="320040" indent="0">
+              <a:buNone/>
+              <a:defRPr sz="420"/>
             </a:lvl3pPr>
-            <a:lvl4pPr marL="612145" indent="0">
-              <a:buNone/>
-              <a:defRPr sz="446"/>
+            <a:lvl4pPr marL="480060" indent="0">
+              <a:buNone/>
+              <a:defRPr sz="350"/>
             </a:lvl4pPr>
-            <a:lvl5pPr marL="816193" indent="0">
-              <a:buNone/>
-              <a:defRPr sz="446"/>
+            <a:lvl5pPr marL="640080" indent="0">
+              <a:buNone/>
+              <a:defRPr sz="350"/>
             </a:lvl5pPr>
-            <a:lvl6pPr marL="1020242" indent="0">
-              <a:buNone/>
-              <a:defRPr sz="446"/>
+            <a:lvl6pPr marL="800100" indent="0">
+              <a:buNone/>
+              <a:defRPr sz="350"/>
             </a:lvl6pPr>
-            <a:lvl7pPr marL="1224290" indent="0">
-              <a:buNone/>
-              <a:defRPr sz="446"/>
+            <a:lvl7pPr marL="960120" indent="0">
+              <a:buNone/>
+              <a:defRPr sz="350"/>
             </a:lvl7pPr>
-            <a:lvl8pPr marL="1428339" indent="0">
-              <a:buNone/>
-              <a:defRPr sz="446"/>
+            <a:lvl8pPr marL="1120140" indent="0">
+              <a:buNone/>
+              <a:defRPr sz="350"/>
             </a:lvl8pPr>
-            <a:lvl9pPr marL="1632387" indent="0">
-              <a:buNone/>
-              <a:defRPr sz="446"/>
+            <a:lvl9pPr marL="1280160" indent="0">
+              <a:buNone/>
+              <a:defRPr sz="350"/>
             </a:lvl9pPr>
           </a:lstStyle>
           <a:p>
@@ -2353,7 +2355,7 @@
           <a:p>
             <a:fld id="{CA1BB51F-BFC6-4DD3-8C2A-5B21FD6F69C3}" type="datetimeFigureOut">
               <a:rPr lang="en-SE" smtClean="0"/>
-              <a:t>10/01/2023</a:t>
+              <a:t>2023-10-05</a:t>
             </a:fld>
             <a:endParaRPr lang="en-SE"/>
           </a:p>
@@ -2404,7 +2406,7 @@
     </p:spTree>
     <p:extLst>
       <p:ext uri="{BB962C8B-B14F-4D97-AF65-F5344CB8AC3E}">
-        <p14:creationId xmlns:p14="http://schemas.microsoft.com/office/powerpoint/2010/main" val="1651247271"/>
+        <p14:creationId xmlns:p14="http://schemas.microsoft.com/office/powerpoint/2010/main" val="2753733874"/>
       </p:ext>
     </p:extLst>
   </p:cSld>
@@ -2448,8 +2450,8 @@
         </p:nvSpPr>
         <p:spPr>
           <a:xfrm>
-            <a:off x="293370" y="162955"/>
-            <a:ext cx="3680460" cy="591594"/>
+            <a:off x="293370" y="143768"/>
+            <a:ext cx="3680460" cy="521941"/>
           </a:xfrm>
           <a:prstGeom prst="rect">
             <a:avLst/>
@@ -2481,8 +2483,8 @@
         </p:nvSpPr>
         <p:spPr>
           <a:xfrm>
-            <a:off x="293370" y="814770"/>
-            <a:ext cx="3680460" cy="1941986"/>
+            <a:off x="293370" y="718840"/>
+            <a:ext cx="3680460" cy="1713340"/>
           </a:xfrm>
           <a:prstGeom prst="rect">
             <a:avLst/>
@@ -2543,8 +2545,8 @@
         </p:nvSpPr>
         <p:spPr>
           <a:xfrm>
-            <a:off x="293370" y="2836816"/>
-            <a:ext cx="960120" cy="162954"/>
+            <a:off x="293370" y="2502813"/>
+            <a:ext cx="960120" cy="143768"/>
           </a:xfrm>
           <a:prstGeom prst="rect">
             <a:avLst/>
@@ -2554,7 +2556,7 @@
           <a:bodyPr vert="horz" lIns="91440" tIns="45720" rIns="91440" bIns="45720" rtlCol="0" anchor="ctr"/>
           <a:lstStyle>
             <a:lvl1pPr algn="l">
-              <a:defRPr sz="536">
+              <a:defRPr sz="420">
                 <a:solidFill>
                   <a:schemeClr val="tx1">
                     <a:tint val="75000"/>
@@ -2566,7 +2568,7 @@
           <a:p>
             <a:fld id="{CA1BB51F-BFC6-4DD3-8C2A-5B21FD6F69C3}" type="datetimeFigureOut">
               <a:rPr lang="en-SE" smtClean="0"/>
-              <a:t>10/01/2023</a:t>
+              <a:t>2023-10-05</a:t>
             </a:fld>
             <a:endParaRPr lang="en-SE"/>
           </a:p>
@@ -2584,8 +2586,8 @@
         </p:nvSpPr>
         <p:spPr>
           <a:xfrm>
-            <a:off x="1413510" y="2836816"/>
-            <a:ext cx="1440180" cy="162954"/>
+            <a:off x="1413510" y="2502813"/>
+            <a:ext cx="1440180" cy="143768"/>
           </a:xfrm>
           <a:prstGeom prst="rect">
             <a:avLst/>
@@ -2595,7 +2597,7 @@
           <a:bodyPr vert="horz" lIns="91440" tIns="45720" rIns="91440" bIns="45720" rtlCol="0" anchor="ctr"/>
           <a:lstStyle>
             <a:lvl1pPr algn="ctr">
-              <a:defRPr sz="536">
+              <a:defRPr sz="420">
                 <a:solidFill>
                   <a:schemeClr val="tx1">
                     <a:tint val="75000"/>
@@ -2621,8 +2623,8 @@
         </p:nvSpPr>
         <p:spPr>
           <a:xfrm>
-            <a:off x="3013710" y="2836816"/>
-            <a:ext cx="960120" cy="162954"/>
+            <a:off x="3013710" y="2502813"/>
+            <a:ext cx="960120" cy="143768"/>
           </a:xfrm>
           <a:prstGeom prst="rect">
             <a:avLst/>
@@ -2632,7 +2634,7 @@
           <a:bodyPr vert="horz" lIns="91440" tIns="45720" rIns="91440" bIns="45720" rtlCol="0" anchor="ctr"/>
           <a:lstStyle>
             <a:lvl1pPr algn="r">
-              <a:defRPr sz="536">
+              <a:defRPr sz="420">
                 <a:solidFill>
                   <a:schemeClr val="tx1">
                     <a:tint val="75000"/>
@@ -2653,27 +2655,27 @@
     </p:spTree>
     <p:extLst>
       <p:ext uri="{BB962C8B-B14F-4D97-AF65-F5344CB8AC3E}">
-        <p14:creationId xmlns:p14="http://schemas.microsoft.com/office/powerpoint/2010/main" val="3317271039"/>
+        <p14:creationId xmlns:p14="http://schemas.microsoft.com/office/powerpoint/2010/main" val="3165969290"/>
       </p:ext>
     </p:extLst>
   </p:cSld>
   <p:clrMap bg1="lt1" tx1="dk1" bg2="lt2" tx2="dk2" accent1="accent1" accent2="accent2" accent3="accent3" accent4="accent4" accent5="accent5" accent6="accent6" hlink="hlink" folHlink="folHlink"/>
   <p:sldLayoutIdLst>
-    <p:sldLayoutId id="2147483781" r:id="rId1"/>
-    <p:sldLayoutId id="2147483782" r:id="rId2"/>
-    <p:sldLayoutId id="2147483783" r:id="rId3"/>
-    <p:sldLayoutId id="2147483784" r:id="rId4"/>
-    <p:sldLayoutId id="2147483785" r:id="rId5"/>
-    <p:sldLayoutId id="2147483786" r:id="rId6"/>
-    <p:sldLayoutId id="2147483787" r:id="rId7"/>
-    <p:sldLayoutId id="2147483788" r:id="rId8"/>
-    <p:sldLayoutId id="2147483789" r:id="rId9"/>
-    <p:sldLayoutId id="2147483790" r:id="rId10"/>
-    <p:sldLayoutId id="2147483791" r:id="rId11"/>
+    <p:sldLayoutId id="2147483769" r:id="rId1"/>
+    <p:sldLayoutId id="2147483770" r:id="rId2"/>
+    <p:sldLayoutId id="2147483771" r:id="rId3"/>
+    <p:sldLayoutId id="2147483772" r:id="rId4"/>
+    <p:sldLayoutId id="2147483773" r:id="rId5"/>
+    <p:sldLayoutId id="2147483774" r:id="rId6"/>
+    <p:sldLayoutId id="2147483775" r:id="rId7"/>
+    <p:sldLayoutId id="2147483776" r:id="rId8"/>
+    <p:sldLayoutId id="2147483777" r:id="rId9"/>
+    <p:sldLayoutId id="2147483778" r:id="rId10"/>
+    <p:sldLayoutId id="2147483779" r:id="rId11"/>
   </p:sldLayoutIdLst>
   <p:txStyles>
     <p:titleStyle>
-      <a:lvl1pPr algn="l" defTabSz="408097" rtl="0" eaLnBrk="1" latinLnBrk="0" hangingPunct="1">
+      <a:lvl1pPr algn="l" defTabSz="320040" rtl="0" eaLnBrk="1" latinLnBrk="0" hangingPunct="1">
         <a:lnSpc>
           <a:spcPct val="90000"/>
         </a:lnSpc>
@@ -2681,7 +2683,7 @@
           <a:spcPct val="0"/>
         </a:spcBef>
         <a:buNone/>
-        <a:defRPr sz="1964" kern="1200">
+        <a:defRPr sz="1540" kern="1200">
           <a:solidFill>
             <a:schemeClr val="tx1"/>
           </a:solidFill>
@@ -2692,16 +2694,16 @@
       </a:lvl1pPr>
     </p:titleStyle>
     <p:bodyStyle>
-      <a:lvl1pPr marL="102024" indent="-102024" algn="l" defTabSz="408097" rtl="0" eaLnBrk="1" latinLnBrk="0" hangingPunct="1">
+      <a:lvl1pPr marL="80010" indent="-80010" algn="l" defTabSz="320040" rtl="0" eaLnBrk="1" latinLnBrk="0" hangingPunct="1">
         <a:lnSpc>
           <a:spcPct val="90000"/>
         </a:lnSpc>
         <a:spcBef>
-          <a:spcPts val="446"/>
+          <a:spcPts val="350"/>
         </a:spcBef>
         <a:buFont typeface="Arial" panose="020B0604020202020204" pitchFamily="34" charset="0"/>
         <a:buChar char="•"/>
-        <a:defRPr sz="1250" kern="1200">
+        <a:defRPr sz="980" kern="1200">
           <a:solidFill>
             <a:schemeClr val="tx1"/>
           </a:solidFill>
@@ -2710,16 +2712,16 @@
           <a:cs typeface="+mn-cs"/>
         </a:defRPr>
       </a:lvl1pPr>
-      <a:lvl2pPr marL="306073" indent="-102024" algn="l" defTabSz="408097" rtl="0" eaLnBrk="1" latinLnBrk="0" hangingPunct="1">
+      <a:lvl2pPr marL="240030" indent="-80010" algn="l" defTabSz="320040" rtl="0" eaLnBrk="1" latinLnBrk="0" hangingPunct="1">
         <a:lnSpc>
           <a:spcPct val="90000"/>
         </a:lnSpc>
         <a:spcBef>
-          <a:spcPts val="223"/>
+          <a:spcPts val="175"/>
         </a:spcBef>
         <a:buFont typeface="Arial" panose="020B0604020202020204" pitchFamily="34" charset="0"/>
         <a:buChar char="•"/>
-        <a:defRPr sz="1071" kern="1200">
+        <a:defRPr sz="840" kern="1200">
           <a:solidFill>
             <a:schemeClr val="tx1"/>
           </a:solidFill>
@@ -2728,16 +2730,16 @@
           <a:cs typeface="+mn-cs"/>
         </a:defRPr>
       </a:lvl2pPr>
-      <a:lvl3pPr marL="510121" indent="-102024" algn="l" defTabSz="408097" rtl="0" eaLnBrk="1" latinLnBrk="0" hangingPunct="1">
+      <a:lvl3pPr marL="400050" indent="-80010" algn="l" defTabSz="320040" rtl="0" eaLnBrk="1" latinLnBrk="0" hangingPunct="1">
         <a:lnSpc>
           <a:spcPct val="90000"/>
         </a:lnSpc>
         <a:spcBef>
-          <a:spcPts val="223"/>
+          <a:spcPts val="175"/>
         </a:spcBef>
         <a:buFont typeface="Arial" panose="020B0604020202020204" pitchFamily="34" charset="0"/>
         <a:buChar char="•"/>
-        <a:defRPr sz="893" kern="1200">
+        <a:defRPr sz="700" kern="1200">
           <a:solidFill>
             <a:schemeClr val="tx1"/>
           </a:solidFill>
@@ -2746,16 +2748,16 @@
           <a:cs typeface="+mn-cs"/>
         </a:defRPr>
       </a:lvl3pPr>
-      <a:lvl4pPr marL="714169" indent="-102024" algn="l" defTabSz="408097" rtl="0" eaLnBrk="1" latinLnBrk="0" hangingPunct="1">
+      <a:lvl4pPr marL="560070" indent="-80010" algn="l" defTabSz="320040" rtl="0" eaLnBrk="1" latinLnBrk="0" hangingPunct="1">
         <a:lnSpc>
           <a:spcPct val="90000"/>
         </a:lnSpc>
         <a:spcBef>
-          <a:spcPts val="223"/>
+          <a:spcPts val="175"/>
         </a:spcBef>
         <a:buFont typeface="Arial" panose="020B0604020202020204" pitchFamily="34" charset="0"/>
         <a:buChar char="•"/>
-        <a:defRPr sz="803" kern="1200">
+        <a:defRPr sz="630" kern="1200">
           <a:solidFill>
             <a:schemeClr val="tx1"/>
           </a:solidFill>
@@ -2764,16 +2766,16 @@
           <a:cs typeface="+mn-cs"/>
         </a:defRPr>
       </a:lvl4pPr>
-      <a:lvl5pPr marL="918218" indent="-102024" algn="l" defTabSz="408097" rtl="0" eaLnBrk="1" latinLnBrk="0" hangingPunct="1">
+      <a:lvl5pPr marL="720090" indent="-80010" algn="l" defTabSz="320040" rtl="0" eaLnBrk="1" latinLnBrk="0" hangingPunct="1">
         <a:lnSpc>
           <a:spcPct val="90000"/>
         </a:lnSpc>
         <a:spcBef>
-          <a:spcPts val="223"/>
+          <a:spcPts val="175"/>
         </a:spcBef>
         <a:buFont typeface="Arial" panose="020B0604020202020204" pitchFamily="34" charset="0"/>
         <a:buChar char="•"/>
-        <a:defRPr sz="803" kern="1200">
+        <a:defRPr sz="630" kern="1200">
           <a:solidFill>
             <a:schemeClr val="tx1"/>
           </a:solidFill>
@@ -2782,16 +2784,16 @@
           <a:cs typeface="+mn-cs"/>
         </a:defRPr>
       </a:lvl5pPr>
-      <a:lvl6pPr marL="1122266" indent="-102024" algn="l" defTabSz="408097" rtl="0" eaLnBrk="1" latinLnBrk="0" hangingPunct="1">
+      <a:lvl6pPr marL="880110" indent="-80010" algn="l" defTabSz="320040" rtl="0" eaLnBrk="1" latinLnBrk="0" hangingPunct="1">
         <a:lnSpc>
           <a:spcPct val="90000"/>
         </a:lnSpc>
         <a:spcBef>
-          <a:spcPts val="223"/>
+          <a:spcPts val="175"/>
         </a:spcBef>
         <a:buFont typeface="Arial" panose="020B0604020202020204" pitchFamily="34" charset="0"/>
         <a:buChar char="•"/>
-        <a:defRPr sz="803" kern="1200">
+        <a:defRPr sz="630" kern="1200">
           <a:solidFill>
             <a:schemeClr val="tx1"/>
           </a:solidFill>
@@ -2800,16 +2802,16 @@
           <a:cs typeface="+mn-cs"/>
         </a:defRPr>
       </a:lvl6pPr>
-      <a:lvl7pPr marL="1326314" indent="-102024" algn="l" defTabSz="408097" rtl="0" eaLnBrk="1" latinLnBrk="0" hangingPunct="1">
+      <a:lvl7pPr marL="1040130" indent="-80010" algn="l" defTabSz="320040" rtl="0" eaLnBrk="1" latinLnBrk="0" hangingPunct="1">
         <a:lnSpc>
           <a:spcPct val="90000"/>
         </a:lnSpc>
         <a:spcBef>
-          <a:spcPts val="223"/>
+          <a:spcPts val="175"/>
         </a:spcBef>
         <a:buFont typeface="Arial" panose="020B0604020202020204" pitchFamily="34" charset="0"/>
         <a:buChar char="•"/>
-        <a:defRPr sz="803" kern="1200">
+        <a:defRPr sz="630" kern="1200">
           <a:solidFill>
             <a:schemeClr val="tx1"/>
           </a:solidFill>
@@ -2818,16 +2820,16 @@
           <a:cs typeface="+mn-cs"/>
         </a:defRPr>
       </a:lvl7pPr>
-      <a:lvl8pPr marL="1530363" indent="-102024" algn="l" defTabSz="408097" rtl="0" eaLnBrk="1" latinLnBrk="0" hangingPunct="1">
+      <a:lvl8pPr marL="1200150" indent="-80010" algn="l" defTabSz="320040" rtl="0" eaLnBrk="1" latinLnBrk="0" hangingPunct="1">
         <a:lnSpc>
           <a:spcPct val="90000"/>
         </a:lnSpc>
         <a:spcBef>
-          <a:spcPts val="223"/>
+          <a:spcPts val="175"/>
         </a:spcBef>
         <a:buFont typeface="Arial" panose="020B0604020202020204" pitchFamily="34" charset="0"/>
         <a:buChar char="•"/>
-        <a:defRPr sz="803" kern="1200">
+        <a:defRPr sz="630" kern="1200">
           <a:solidFill>
             <a:schemeClr val="tx1"/>
           </a:solidFill>
@@ -2836,16 +2838,16 @@
           <a:cs typeface="+mn-cs"/>
         </a:defRPr>
       </a:lvl8pPr>
-      <a:lvl9pPr marL="1734411" indent="-102024" algn="l" defTabSz="408097" rtl="0" eaLnBrk="1" latinLnBrk="0" hangingPunct="1">
+      <a:lvl9pPr marL="1360170" indent="-80010" algn="l" defTabSz="320040" rtl="0" eaLnBrk="1" latinLnBrk="0" hangingPunct="1">
         <a:lnSpc>
           <a:spcPct val="90000"/>
         </a:lnSpc>
         <a:spcBef>
-          <a:spcPts val="223"/>
+          <a:spcPts val="175"/>
         </a:spcBef>
         <a:buFont typeface="Arial" panose="020B0604020202020204" pitchFamily="34" charset="0"/>
         <a:buChar char="•"/>
-        <a:defRPr sz="803" kern="1200">
+        <a:defRPr sz="630" kern="1200">
           <a:solidFill>
             <a:schemeClr val="tx1"/>
           </a:solidFill>
@@ -2859,8 +2861,8 @@
       <a:defPPr>
         <a:defRPr lang="en-US"/>
       </a:defPPr>
-      <a:lvl1pPr marL="0" algn="l" defTabSz="408097" rtl="0" eaLnBrk="1" latinLnBrk="0" hangingPunct="1">
-        <a:defRPr sz="803" kern="1200">
+      <a:lvl1pPr marL="0" algn="l" defTabSz="320040" rtl="0" eaLnBrk="1" latinLnBrk="0" hangingPunct="1">
+        <a:defRPr sz="630" kern="1200">
           <a:solidFill>
             <a:schemeClr val="tx1"/>
           </a:solidFill>
@@ -2869,8 +2871,8 @@
           <a:cs typeface="+mn-cs"/>
         </a:defRPr>
       </a:lvl1pPr>
-      <a:lvl2pPr marL="204048" algn="l" defTabSz="408097" rtl="0" eaLnBrk="1" latinLnBrk="0" hangingPunct="1">
-        <a:defRPr sz="803" kern="1200">
+      <a:lvl2pPr marL="160020" algn="l" defTabSz="320040" rtl="0" eaLnBrk="1" latinLnBrk="0" hangingPunct="1">
+        <a:defRPr sz="630" kern="1200">
           <a:solidFill>
             <a:schemeClr val="tx1"/>
           </a:solidFill>
@@ -2879,8 +2881,8 @@
           <a:cs typeface="+mn-cs"/>
         </a:defRPr>
       </a:lvl2pPr>
-      <a:lvl3pPr marL="408097" algn="l" defTabSz="408097" rtl="0" eaLnBrk="1" latinLnBrk="0" hangingPunct="1">
-        <a:defRPr sz="803" kern="1200">
+      <a:lvl3pPr marL="320040" algn="l" defTabSz="320040" rtl="0" eaLnBrk="1" latinLnBrk="0" hangingPunct="1">
+        <a:defRPr sz="630" kern="1200">
           <a:solidFill>
             <a:schemeClr val="tx1"/>
           </a:solidFill>
@@ -2889,8 +2891,8 @@
           <a:cs typeface="+mn-cs"/>
         </a:defRPr>
       </a:lvl3pPr>
-      <a:lvl4pPr marL="612145" algn="l" defTabSz="408097" rtl="0" eaLnBrk="1" latinLnBrk="0" hangingPunct="1">
-        <a:defRPr sz="803" kern="1200">
+      <a:lvl4pPr marL="480060" algn="l" defTabSz="320040" rtl="0" eaLnBrk="1" latinLnBrk="0" hangingPunct="1">
+        <a:defRPr sz="630" kern="1200">
           <a:solidFill>
             <a:schemeClr val="tx1"/>
           </a:solidFill>
@@ -2899,8 +2901,8 @@
           <a:cs typeface="+mn-cs"/>
         </a:defRPr>
       </a:lvl4pPr>
-      <a:lvl5pPr marL="816193" algn="l" defTabSz="408097" rtl="0" eaLnBrk="1" latinLnBrk="0" hangingPunct="1">
-        <a:defRPr sz="803" kern="1200">
+      <a:lvl5pPr marL="640080" algn="l" defTabSz="320040" rtl="0" eaLnBrk="1" latinLnBrk="0" hangingPunct="1">
+        <a:defRPr sz="630" kern="1200">
           <a:solidFill>
             <a:schemeClr val="tx1"/>
           </a:solidFill>
@@ -2909,8 +2911,8 @@
           <a:cs typeface="+mn-cs"/>
         </a:defRPr>
       </a:lvl5pPr>
-      <a:lvl6pPr marL="1020242" algn="l" defTabSz="408097" rtl="0" eaLnBrk="1" latinLnBrk="0" hangingPunct="1">
-        <a:defRPr sz="803" kern="1200">
+      <a:lvl6pPr marL="800100" algn="l" defTabSz="320040" rtl="0" eaLnBrk="1" latinLnBrk="0" hangingPunct="1">
+        <a:defRPr sz="630" kern="1200">
           <a:solidFill>
             <a:schemeClr val="tx1"/>
           </a:solidFill>
@@ -2919,8 +2921,8 @@
           <a:cs typeface="+mn-cs"/>
         </a:defRPr>
       </a:lvl6pPr>
-      <a:lvl7pPr marL="1224290" algn="l" defTabSz="408097" rtl="0" eaLnBrk="1" latinLnBrk="0" hangingPunct="1">
-        <a:defRPr sz="803" kern="1200">
+      <a:lvl7pPr marL="960120" algn="l" defTabSz="320040" rtl="0" eaLnBrk="1" latinLnBrk="0" hangingPunct="1">
+        <a:defRPr sz="630" kern="1200">
           <a:solidFill>
             <a:schemeClr val="tx1"/>
           </a:solidFill>
@@ -2929,8 +2931,8 @@
           <a:cs typeface="+mn-cs"/>
         </a:defRPr>
       </a:lvl7pPr>
-      <a:lvl8pPr marL="1428339" algn="l" defTabSz="408097" rtl="0" eaLnBrk="1" latinLnBrk="0" hangingPunct="1">
-        <a:defRPr sz="803" kern="1200">
+      <a:lvl8pPr marL="1120140" algn="l" defTabSz="320040" rtl="0" eaLnBrk="1" latinLnBrk="0" hangingPunct="1">
+        <a:defRPr sz="630" kern="1200">
           <a:solidFill>
             <a:schemeClr val="tx1"/>
           </a:solidFill>
@@ -2939,8 +2941,8 @@
           <a:cs typeface="+mn-cs"/>
         </a:defRPr>
       </a:lvl8pPr>
-      <a:lvl9pPr marL="1632387" algn="l" defTabSz="408097" rtl="0" eaLnBrk="1" latinLnBrk="0" hangingPunct="1">
-        <a:defRPr sz="803" kern="1200">
+      <a:lvl9pPr marL="1280160" algn="l" defTabSz="320040" rtl="0" eaLnBrk="1" latinLnBrk="0" hangingPunct="1">
+        <a:defRPr sz="630" kern="1200">
           <a:solidFill>
             <a:schemeClr val="tx1"/>
           </a:solidFill>
@@ -2971,12 +2973,41 @@
           <a:chExt cx="0" cy="0"/>
         </a:xfrm>
       </p:grpSpPr>
+      <p:pic>
+        <p:nvPicPr>
+          <p:cNvPr id="2" name="Picture 1">
+            <a:extLst>
+              <a:ext uri="{FF2B5EF4-FFF2-40B4-BE49-F238E27FC236}">
+                <a16:creationId xmlns:a16="http://schemas.microsoft.com/office/drawing/2014/main" id="{EC230EF5-01B0-A05A-9E38-004E8EF63437}"/>
+              </a:ext>
+            </a:extLst>
+          </p:cNvPr>
+          <p:cNvPicPr>
+            <a:picLocks noChangeAspect="1"/>
+          </p:cNvPicPr>
+          <p:nvPr/>
+        </p:nvPicPr>
+        <p:blipFill rotWithShape="1">
+          <a:blip r:embed="rId2"/>
+          <a:srcRect r="41142"/>
+          <a:stretch/>
+        </p:blipFill>
+        <p:spPr>
+          <a:xfrm>
+            <a:off x="1365039" y="-21046"/>
+            <a:ext cx="1464816" cy="3530600"/>
+          </a:xfrm>
+          <a:prstGeom prst="rect">
+            <a:avLst/>
+          </a:prstGeom>
+        </p:spPr>
+      </p:pic>
       <p:grpSp>
         <p:nvGrpSpPr>
-          <p:cNvPr id="2" name="Group 1">
+          <p:cNvPr id="5" name="Group 4">
             <a:extLst>
               <a:ext uri="{FF2B5EF4-FFF2-40B4-BE49-F238E27FC236}">
-                <a16:creationId xmlns:a16="http://schemas.microsoft.com/office/drawing/2014/main" id="{856D7196-EB5E-E2AC-E8E2-B1D2CF993CB4}"/>
+                <a16:creationId xmlns:a16="http://schemas.microsoft.com/office/drawing/2014/main" id="{35C37365-0440-0EDE-6F22-65181D4F0D81}"/>
               </a:ext>
             </a:extLst>
           </p:cNvPr>
@@ -2987,10 +3018,10 @@
         </p:nvGrpSpPr>
         <p:grpSpPr>
           <a:xfrm>
-            <a:off x="1" y="-30479"/>
-            <a:ext cx="4267200" cy="3889625"/>
-            <a:chOff x="0" y="-360363"/>
-            <a:chExt cx="4267200" cy="3889625"/>
+            <a:off x="-2110" y="-22849"/>
+            <a:ext cx="4269310" cy="3599575"/>
+            <a:chOff x="0" y="-7900"/>
+            <a:chExt cx="4269310" cy="3599575"/>
           </a:xfrm>
         </p:grpSpPr>
         <p:grpSp>
@@ -2998,21 +3029,19 @@
             <p:cNvPr id="4" name="Group 3">
               <a:extLst>
                 <a:ext uri="{FF2B5EF4-FFF2-40B4-BE49-F238E27FC236}">
-                  <a16:creationId xmlns:a16="http://schemas.microsoft.com/office/drawing/2014/main" id="{0FDDDB98-29EA-51A9-FF8C-4C6B0F461403}"/>
+                  <a16:creationId xmlns:a16="http://schemas.microsoft.com/office/drawing/2014/main" id="{150112D3-BB85-15C8-4698-CA0254C13B5C}"/>
                 </a:ext>
               </a:extLst>
             </p:cNvPr>
-            <p:cNvGrpSpPr>
-              <a:grpSpLocks noChangeAspect="1"/>
-            </p:cNvGrpSpPr>
+            <p:cNvGrpSpPr/>
             <p:nvPr/>
           </p:nvGrpSpPr>
           <p:grpSpPr>
             <a:xfrm>
-              <a:off x="0" y="-360363"/>
-              <a:ext cx="4267200" cy="3889625"/>
-              <a:chOff x="0" y="-2805"/>
-              <a:chExt cx="4221927" cy="3848358"/>
+              <a:off x="0" y="-7900"/>
+              <a:ext cx="4269310" cy="3599575"/>
+              <a:chOff x="0" y="-7900"/>
+              <a:chExt cx="4269310" cy="3599575"/>
             </a:xfrm>
           </p:grpSpPr>
           <p:pic>
@@ -3020,37 +3049,7 @@
               <p:cNvPr id="3" name="Picture 2">
                 <a:extLst>
                   <a:ext uri="{FF2B5EF4-FFF2-40B4-BE49-F238E27FC236}">
-                    <a16:creationId xmlns:a16="http://schemas.microsoft.com/office/drawing/2014/main" id="{93C7E5CE-84F9-E8FA-691E-2834D7AD1721}"/>
-                  </a:ext>
-                </a:extLst>
-              </p:cNvPr>
-              <p:cNvPicPr>
-                <a:picLocks noChangeAspect="1"/>
-              </p:cNvPicPr>
-              <p:nvPr/>
-            </p:nvPicPr>
-            <p:blipFill>
-              <a:blip r:embed="rId2"/>
-              <a:stretch>
-                <a:fillRect/>
-              </a:stretch>
-            </p:blipFill>
-            <p:spPr>
-              <a:xfrm>
-                <a:off x="1509862" y="-2805"/>
-                <a:ext cx="2712065" cy="3847437"/>
-              </a:xfrm>
-              <a:prstGeom prst="rect">
-                <a:avLst/>
-              </a:prstGeom>
-            </p:spPr>
-          </p:pic>
-          <p:pic>
-            <p:nvPicPr>
-              <p:cNvPr id="6" name="Picture 5">
-                <a:extLst>
-                  <a:ext uri="{FF2B5EF4-FFF2-40B4-BE49-F238E27FC236}">
-                    <a16:creationId xmlns:a16="http://schemas.microsoft.com/office/drawing/2014/main" id="{DB014E4D-5CFA-7B55-94E1-67FA0B89255B}"/>
+                    <a16:creationId xmlns:a16="http://schemas.microsoft.com/office/drawing/2014/main" id="{0E6720CD-1E0A-12B6-9282-02D932EADBF4}"/>
                   </a:ext>
                 </a:extLst>
               </p:cNvPr>
@@ -3067,8 +3066,38 @@
             </p:blipFill>
             <p:spPr>
               <a:xfrm>
-                <a:off x="0" y="-1884"/>
-                <a:ext cx="1523887" cy="3847437"/>
+                <a:off x="2831965" y="-6097"/>
+                <a:ext cx="1437345" cy="3597772"/>
+              </a:xfrm>
+              <a:prstGeom prst="rect">
+                <a:avLst/>
+              </a:prstGeom>
+            </p:spPr>
+          </p:pic>
+          <p:pic>
+            <p:nvPicPr>
+              <p:cNvPr id="6" name="Picture 5">
+                <a:extLst>
+                  <a:ext uri="{FF2B5EF4-FFF2-40B4-BE49-F238E27FC236}">
+                    <a16:creationId xmlns:a16="http://schemas.microsoft.com/office/drawing/2014/main" id="{A82BD76E-B3C1-E417-FB3B-3B851AD6C5F9}"/>
+                  </a:ext>
+                </a:extLst>
+              </p:cNvPr>
+              <p:cNvPicPr>
+                <a:picLocks noChangeAspect="1"/>
+              </p:cNvPicPr>
+              <p:nvPr/>
+            </p:nvPicPr>
+            <p:blipFill>
+              <a:blip r:embed="rId4"/>
+              <a:stretch>
+                <a:fillRect/>
+              </a:stretch>
+            </p:blipFill>
+            <p:spPr>
+              <a:xfrm>
+                <a:off x="0" y="-7900"/>
+                <a:ext cx="1384765" cy="3496190"/>
               </a:xfrm>
               <a:prstGeom prst="rect">
                 <a:avLst/>
@@ -3078,10 +3107,10 @@
         </p:grpSp>
         <p:sp>
           <p:nvSpPr>
-            <p:cNvPr id="11" name="Oval 10">
+            <p:cNvPr id="7" name="Oval 6">
               <a:extLst>
                 <a:ext uri="{FF2B5EF4-FFF2-40B4-BE49-F238E27FC236}">
-                  <a16:creationId xmlns:a16="http://schemas.microsoft.com/office/drawing/2014/main" id="{E41C0E57-C460-6D15-EE86-AB9E9AA35998}"/>
+                  <a16:creationId xmlns:a16="http://schemas.microsoft.com/office/drawing/2014/main" id="{E58BBE4B-97D8-D20F-6F10-1928BD557D71}"/>
                 </a:ext>
               </a:extLst>
             </p:cNvPr>
@@ -3092,7 +3121,7 @@
           </p:nvSpPr>
           <p:spPr>
             <a:xfrm>
-              <a:off x="3210876" y="2314746"/>
+              <a:off x="2569308" y="2307425"/>
               <a:ext cx="252000" cy="252000"/>
             </a:xfrm>
             <a:prstGeom prst="ellipse">
@@ -3125,74 +3154,21 @@
             </a:fontRef>
           </p:style>
           <p:txBody>
-            <a:bodyPr tIns="87471" bIns="131206" rtlCol="0" anchor="ctr"/>
+            <a:bodyPr tIns="72000" bIns="108000" rtlCol="0" anchor="ctr"/>
             <a:lstStyle/>
             <a:p>
               <a:pPr algn="ctr"/>
               <a:r>
-                <a:rPr lang="en-GB" sz="1458" dirty="0">
+                <a:rPr lang="en-GB" sz="1200" dirty="0">
                   <a:latin typeface="Arial" panose="020B0604020202020204" pitchFamily="34" charset="0"/>
                   <a:cs typeface="Arial" panose="020B0604020202020204" pitchFamily="34" charset="0"/>
                 </a:rPr>
                 <a:t>d</a:t>
               </a:r>
-              <a:endParaRPr lang="en-SE" sz="1458" dirty="0">
+              <a:endParaRPr lang="en-SE" sz="1200" dirty="0">
                 <a:latin typeface="Arial" panose="020B0604020202020204" pitchFamily="34" charset="0"/>
                 <a:cs typeface="Arial" panose="020B0604020202020204" pitchFamily="34" charset="0"/>
               </a:endParaRPr>
-            </a:p>
-          </p:txBody>
-        </p:sp>
-        <p:sp>
-          <p:nvSpPr>
-            <p:cNvPr id="12" name="Rectangle 11">
-              <a:extLst>
-                <a:ext uri="{FF2B5EF4-FFF2-40B4-BE49-F238E27FC236}">
-                  <a16:creationId xmlns:a16="http://schemas.microsoft.com/office/drawing/2014/main" id="{AC7E64CF-E231-C9D2-EE7B-798CC553C6C4}"/>
-                </a:ext>
-              </a:extLst>
-            </p:cNvPr>
-            <p:cNvSpPr/>
-            <p:nvPr/>
-          </p:nvSpPr>
-          <p:spPr>
-            <a:xfrm>
-              <a:off x="2016445" y="2399990"/>
-              <a:ext cx="1178242" cy="99060"/>
-            </a:xfrm>
-            <a:prstGeom prst="rect">
-              <a:avLst/>
-            </a:prstGeom>
-            <a:noFill/>
-            <a:ln w="12700">
-              <a:solidFill>
-                <a:srgbClr val="F4B183"/>
-              </a:solidFill>
-              <a:prstDash val="sysDot"/>
-            </a:ln>
-          </p:spPr>
-          <p:style>
-            <a:lnRef idx="2">
-              <a:schemeClr val="accent1">
-                <a:shade val="15000"/>
-              </a:schemeClr>
-            </a:lnRef>
-            <a:fillRef idx="1">
-              <a:schemeClr val="accent1"/>
-            </a:fillRef>
-            <a:effectRef idx="0">
-              <a:schemeClr val="accent1"/>
-            </a:effectRef>
-            <a:fontRef idx="minor">
-              <a:schemeClr val="lt1"/>
-            </a:fontRef>
-          </p:style>
-          <p:txBody>
-            <a:bodyPr rtlCol="0" anchor="ctr"/>
-            <a:lstStyle/>
-            <a:p>
-              <a:pPr algn="ctr"/>
-              <a:endParaRPr lang="en-SE" sz="2187"/>
             </a:p>
           </p:txBody>
         </p:sp>

--- a/tutorials/pipelines/tut_a_fun_bud/vector files/fig11d1_medium.pptx
+++ b/tutorials/pipelines/tut_a_fun_bud/vector files/fig11d1_medium.pptx
@@ -2,12 +2,12 @@
 <file path=ppt/presentation.xml><?xml version="1.0" encoding="utf-8"?>
 <p:presentation xmlns:a="http://schemas.openxmlformats.org/drawingml/2006/main" xmlns:r="http://schemas.openxmlformats.org/officeDocument/2006/relationships" xmlns:p="http://schemas.openxmlformats.org/presentationml/2006/main" saveSubsetFonts="1">
   <p:sldMasterIdLst>
-    <p:sldMasterId id="2147483768" r:id="rId1"/>
+    <p:sldMasterId id="2147483780" r:id="rId1"/>
   </p:sldMasterIdLst>
   <p:sldIdLst>
     <p:sldId id="256" r:id="rId2"/>
   </p:sldIdLst>
-  <p:sldSz cx="4267200" cy="2700338"/>
+  <p:sldSz cx="4267200" cy="3060700"/>
   <p:notesSz cx="6858000" cy="9144000"/>
   <p:defaultTextStyle>
     <a:defPPr>
@@ -141,15 +141,15 @@
         </p:nvSpPr>
         <p:spPr>
           <a:xfrm>
-            <a:off x="533400" y="441930"/>
-            <a:ext cx="3200400" cy="940118"/>
+            <a:off x="320040" y="500906"/>
+            <a:ext cx="3627120" cy="1065577"/>
           </a:xfrm>
         </p:spPr>
         <p:txBody>
           <a:bodyPr anchor="b"/>
           <a:lstStyle>
             <a:lvl1pPr algn="ctr">
-              <a:defRPr sz="2100"/>
+              <a:defRPr sz="2678"/>
             </a:lvl1pPr>
           </a:lstStyle>
           <a:p>
@@ -173,8 +173,8 @@
         </p:nvSpPr>
         <p:spPr>
           <a:xfrm>
-            <a:off x="533400" y="1418303"/>
-            <a:ext cx="3200400" cy="651956"/>
+            <a:off x="533400" y="1607576"/>
+            <a:ext cx="3200400" cy="738960"/>
           </a:xfrm>
         </p:spPr>
         <p:txBody>
@@ -182,39 +182,39 @@
           <a:lstStyle>
             <a:lvl1pPr marL="0" indent="0" algn="ctr">
               <a:buNone/>
-              <a:defRPr sz="840"/>
+              <a:defRPr sz="1071"/>
             </a:lvl1pPr>
-            <a:lvl2pPr marL="160020" indent="0" algn="ctr">
-              <a:buNone/>
-              <a:defRPr sz="700"/>
+            <a:lvl2pPr marL="204048" indent="0" algn="ctr">
+              <a:buNone/>
+              <a:defRPr sz="893"/>
             </a:lvl2pPr>
-            <a:lvl3pPr marL="320040" indent="0" algn="ctr">
-              <a:buNone/>
-              <a:defRPr sz="630"/>
+            <a:lvl3pPr marL="408097" indent="0" algn="ctr">
+              <a:buNone/>
+              <a:defRPr sz="803"/>
             </a:lvl3pPr>
-            <a:lvl4pPr marL="480060" indent="0" algn="ctr">
-              <a:buNone/>
-              <a:defRPr sz="560"/>
+            <a:lvl4pPr marL="612145" indent="0" algn="ctr">
+              <a:buNone/>
+              <a:defRPr sz="714"/>
             </a:lvl4pPr>
-            <a:lvl5pPr marL="640080" indent="0" algn="ctr">
-              <a:buNone/>
-              <a:defRPr sz="560"/>
+            <a:lvl5pPr marL="816193" indent="0" algn="ctr">
+              <a:buNone/>
+              <a:defRPr sz="714"/>
             </a:lvl5pPr>
-            <a:lvl6pPr marL="800100" indent="0" algn="ctr">
-              <a:buNone/>
-              <a:defRPr sz="560"/>
+            <a:lvl6pPr marL="1020242" indent="0" algn="ctr">
+              <a:buNone/>
+              <a:defRPr sz="714"/>
             </a:lvl6pPr>
-            <a:lvl7pPr marL="960120" indent="0" algn="ctr">
-              <a:buNone/>
-              <a:defRPr sz="560"/>
+            <a:lvl7pPr marL="1224290" indent="0" algn="ctr">
+              <a:buNone/>
+              <a:defRPr sz="714"/>
             </a:lvl7pPr>
-            <a:lvl8pPr marL="1120140" indent="0" algn="ctr">
-              <a:buNone/>
-              <a:defRPr sz="560"/>
+            <a:lvl8pPr marL="1428339" indent="0" algn="ctr">
+              <a:buNone/>
+              <a:defRPr sz="714"/>
             </a:lvl8pPr>
-            <a:lvl9pPr marL="1280160" indent="0" algn="ctr">
-              <a:buNone/>
-              <a:defRPr sz="560"/>
+            <a:lvl9pPr marL="1632387" indent="0" algn="ctr">
+              <a:buNone/>
+              <a:defRPr sz="714"/>
             </a:lvl9pPr>
           </a:lstStyle>
           <a:p>
@@ -243,7 +243,7 @@
           <a:p>
             <a:fld id="{CA1BB51F-BFC6-4DD3-8C2A-5B21FD6F69C3}" type="datetimeFigureOut">
               <a:rPr lang="en-SE" smtClean="0"/>
-              <a:t>2023-10-05</a:t>
+              <a:t>10/01/2023</a:t>
             </a:fld>
             <a:endParaRPr lang="en-SE"/>
           </a:p>
@@ -294,7 +294,7 @@
     </p:spTree>
     <p:extLst>
       <p:ext uri="{BB962C8B-B14F-4D97-AF65-F5344CB8AC3E}">
-        <p14:creationId xmlns:p14="http://schemas.microsoft.com/office/powerpoint/2010/main" val="145214611"/>
+        <p14:creationId xmlns:p14="http://schemas.microsoft.com/office/powerpoint/2010/main" val="1171763374"/>
       </p:ext>
     </p:extLst>
   </p:cSld>
@@ -413,7 +413,7 @@
           <a:p>
             <a:fld id="{CA1BB51F-BFC6-4DD3-8C2A-5B21FD6F69C3}" type="datetimeFigureOut">
               <a:rPr lang="en-SE" smtClean="0"/>
-              <a:t>2023-10-05</a:t>
+              <a:t>10/01/2023</a:t>
             </a:fld>
             <a:endParaRPr lang="en-SE"/>
           </a:p>
@@ -464,7 +464,7 @@
     </p:spTree>
     <p:extLst>
       <p:ext uri="{BB962C8B-B14F-4D97-AF65-F5344CB8AC3E}">
-        <p14:creationId xmlns:p14="http://schemas.microsoft.com/office/powerpoint/2010/main" val="1268600281"/>
+        <p14:creationId xmlns:p14="http://schemas.microsoft.com/office/powerpoint/2010/main" val="2631697390"/>
       </p:ext>
     </p:extLst>
   </p:cSld>
@@ -503,8 +503,8 @@
         </p:nvSpPr>
         <p:spPr>
           <a:xfrm>
-            <a:off x="3053715" y="143768"/>
-            <a:ext cx="920115" cy="2288412"/>
+            <a:off x="3053715" y="162954"/>
+            <a:ext cx="920115" cy="2593802"/>
           </a:xfrm>
         </p:spPr>
         <p:txBody>
@@ -531,8 +531,8 @@
         </p:nvSpPr>
         <p:spPr>
           <a:xfrm>
-            <a:off x="293370" y="143768"/>
-            <a:ext cx="2707005" cy="2288412"/>
+            <a:off x="293370" y="162954"/>
+            <a:ext cx="2707005" cy="2593802"/>
           </a:xfrm>
         </p:spPr>
         <p:txBody>
@@ -593,7 +593,7 @@
           <a:p>
             <a:fld id="{CA1BB51F-BFC6-4DD3-8C2A-5B21FD6F69C3}" type="datetimeFigureOut">
               <a:rPr lang="en-SE" smtClean="0"/>
-              <a:t>2023-10-05</a:t>
+              <a:t>10/01/2023</a:t>
             </a:fld>
             <a:endParaRPr lang="en-SE"/>
           </a:p>
@@ -644,7 +644,7 @@
     </p:spTree>
     <p:extLst>
       <p:ext uri="{BB962C8B-B14F-4D97-AF65-F5344CB8AC3E}">
-        <p14:creationId xmlns:p14="http://schemas.microsoft.com/office/powerpoint/2010/main" val="2222150343"/>
+        <p14:creationId xmlns:p14="http://schemas.microsoft.com/office/powerpoint/2010/main" val="2813003623"/>
       </p:ext>
     </p:extLst>
   </p:cSld>
@@ -763,7 +763,7 @@
           <a:p>
             <a:fld id="{CA1BB51F-BFC6-4DD3-8C2A-5B21FD6F69C3}" type="datetimeFigureOut">
               <a:rPr lang="en-SE" smtClean="0"/>
-              <a:t>2023-10-05</a:t>
+              <a:t>10/01/2023</a:t>
             </a:fld>
             <a:endParaRPr lang="en-SE"/>
           </a:p>
@@ -814,7 +814,7 @@
     </p:spTree>
     <p:extLst>
       <p:ext uri="{BB962C8B-B14F-4D97-AF65-F5344CB8AC3E}">
-        <p14:creationId xmlns:p14="http://schemas.microsoft.com/office/powerpoint/2010/main" val="2938924905"/>
+        <p14:creationId xmlns:p14="http://schemas.microsoft.com/office/powerpoint/2010/main" val="1619630668"/>
       </p:ext>
     </p:extLst>
   </p:cSld>
@@ -853,15 +853,15 @@
         </p:nvSpPr>
         <p:spPr>
           <a:xfrm>
-            <a:off x="291148" y="673210"/>
-            <a:ext cx="3680460" cy="1123265"/>
+            <a:off x="291148" y="763050"/>
+            <a:ext cx="3680460" cy="1273166"/>
           </a:xfrm>
         </p:spPr>
         <p:txBody>
           <a:bodyPr anchor="b"/>
           <a:lstStyle>
             <a:lvl1pPr>
-              <a:defRPr sz="2100"/>
+              <a:defRPr sz="2678"/>
             </a:lvl1pPr>
           </a:lstStyle>
           <a:p>
@@ -885,8 +885,8 @@
         </p:nvSpPr>
         <p:spPr>
           <a:xfrm>
-            <a:off x="291148" y="1807101"/>
-            <a:ext cx="3680460" cy="590699"/>
+            <a:off x="291148" y="2048261"/>
+            <a:ext cx="3680460" cy="669528"/>
           </a:xfrm>
         </p:spPr>
         <p:txBody>
@@ -894,17 +894,15 @@
           <a:lstStyle>
             <a:lvl1pPr marL="0" indent="0">
               <a:buNone/>
-              <a:defRPr sz="840">
+              <a:defRPr sz="1071">
                 <a:solidFill>
-                  <a:schemeClr val="tx1">
-                    <a:tint val="75000"/>
-                  </a:schemeClr>
+                  <a:schemeClr val="tx1"/>
                 </a:solidFill>
               </a:defRPr>
             </a:lvl1pPr>
-            <a:lvl2pPr marL="160020" indent="0">
-              <a:buNone/>
-              <a:defRPr sz="700">
+            <a:lvl2pPr marL="204048" indent="0">
+              <a:buNone/>
+              <a:defRPr sz="893">
                 <a:solidFill>
                   <a:schemeClr val="tx1">
                     <a:tint val="75000"/>
@@ -912,9 +910,9 @@
                 </a:solidFill>
               </a:defRPr>
             </a:lvl2pPr>
-            <a:lvl3pPr marL="320040" indent="0">
-              <a:buNone/>
-              <a:defRPr sz="630">
+            <a:lvl3pPr marL="408097" indent="0">
+              <a:buNone/>
+              <a:defRPr sz="803">
                 <a:solidFill>
                   <a:schemeClr val="tx1">
                     <a:tint val="75000"/>
@@ -922,9 +920,9 @@
                 </a:solidFill>
               </a:defRPr>
             </a:lvl3pPr>
-            <a:lvl4pPr marL="480060" indent="0">
-              <a:buNone/>
-              <a:defRPr sz="560">
+            <a:lvl4pPr marL="612145" indent="0">
+              <a:buNone/>
+              <a:defRPr sz="714">
                 <a:solidFill>
                   <a:schemeClr val="tx1">
                     <a:tint val="75000"/>
@@ -932,9 +930,9 @@
                 </a:solidFill>
               </a:defRPr>
             </a:lvl4pPr>
-            <a:lvl5pPr marL="640080" indent="0">
-              <a:buNone/>
-              <a:defRPr sz="560">
+            <a:lvl5pPr marL="816193" indent="0">
+              <a:buNone/>
+              <a:defRPr sz="714">
                 <a:solidFill>
                   <a:schemeClr val="tx1">
                     <a:tint val="75000"/>
@@ -942,9 +940,9 @@
                 </a:solidFill>
               </a:defRPr>
             </a:lvl5pPr>
-            <a:lvl6pPr marL="800100" indent="0">
-              <a:buNone/>
-              <a:defRPr sz="560">
+            <a:lvl6pPr marL="1020242" indent="0">
+              <a:buNone/>
+              <a:defRPr sz="714">
                 <a:solidFill>
                   <a:schemeClr val="tx1">
                     <a:tint val="75000"/>
@@ -952,9 +950,9 @@
                 </a:solidFill>
               </a:defRPr>
             </a:lvl6pPr>
-            <a:lvl7pPr marL="960120" indent="0">
-              <a:buNone/>
-              <a:defRPr sz="560">
+            <a:lvl7pPr marL="1224290" indent="0">
+              <a:buNone/>
+              <a:defRPr sz="714">
                 <a:solidFill>
                   <a:schemeClr val="tx1">
                     <a:tint val="75000"/>
@@ -962,9 +960,9 @@
                 </a:solidFill>
               </a:defRPr>
             </a:lvl7pPr>
-            <a:lvl8pPr marL="1120140" indent="0">
-              <a:buNone/>
-              <a:defRPr sz="560">
+            <a:lvl8pPr marL="1428339" indent="0">
+              <a:buNone/>
+              <a:defRPr sz="714">
                 <a:solidFill>
                   <a:schemeClr val="tx1">
                     <a:tint val="75000"/>
@@ -972,9 +970,9 @@
                 </a:solidFill>
               </a:defRPr>
             </a:lvl8pPr>
-            <a:lvl9pPr marL="1280160" indent="0">
-              <a:buNone/>
-              <a:defRPr sz="560">
+            <a:lvl9pPr marL="1632387" indent="0">
+              <a:buNone/>
+              <a:defRPr sz="714">
                 <a:solidFill>
                   <a:schemeClr val="tx1">
                     <a:tint val="75000"/>
@@ -1009,7 +1007,7 @@
           <a:p>
             <a:fld id="{CA1BB51F-BFC6-4DD3-8C2A-5B21FD6F69C3}" type="datetimeFigureOut">
               <a:rPr lang="en-SE" smtClean="0"/>
-              <a:t>2023-10-05</a:t>
+              <a:t>10/01/2023</a:t>
             </a:fld>
             <a:endParaRPr lang="en-SE"/>
           </a:p>
@@ -1060,7 +1058,7 @@
     </p:spTree>
     <p:extLst>
       <p:ext uri="{BB962C8B-B14F-4D97-AF65-F5344CB8AC3E}">
-        <p14:creationId xmlns:p14="http://schemas.microsoft.com/office/powerpoint/2010/main" val="1931857066"/>
+        <p14:creationId xmlns:p14="http://schemas.microsoft.com/office/powerpoint/2010/main" val="1927412988"/>
       </p:ext>
     </p:extLst>
   </p:cSld>
@@ -1122,8 +1120,8 @@
         </p:nvSpPr>
         <p:spPr>
           <a:xfrm>
-            <a:off x="293370" y="718840"/>
-            <a:ext cx="1813560" cy="1713340"/>
+            <a:off x="293370" y="814770"/>
+            <a:ext cx="1813560" cy="1941986"/>
           </a:xfrm>
         </p:spPr>
         <p:txBody>
@@ -1179,8 +1177,8 @@
         </p:nvSpPr>
         <p:spPr>
           <a:xfrm>
-            <a:off x="2160270" y="718840"/>
-            <a:ext cx="1813560" cy="1713340"/>
+            <a:off x="2160270" y="814770"/>
+            <a:ext cx="1813560" cy="1941986"/>
           </a:xfrm>
         </p:spPr>
         <p:txBody>
@@ -1241,7 +1239,7 @@
           <a:p>
             <a:fld id="{CA1BB51F-BFC6-4DD3-8C2A-5B21FD6F69C3}" type="datetimeFigureOut">
               <a:rPr lang="en-SE" smtClean="0"/>
-              <a:t>2023-10-05</a:t>
+              <a:t>10/01/2023</a:t>
             </a:fld>
             <a:endParaRPr lang="en-SE"/>
           </a:p>
@@ -1292,7 +1290,7 @@
     </p:spTree>
     <p:extLst>
       <p:ext uri="{BB962C8B-B14F-4D97-AF65-F5344CB8AC3E}">
-        <p14:creationId xmlns:p14="http://schemas.microsoft.com/office/powerpoint/2010/main" val="91554295"/>
+        <p14:creationId xmlns:p14="http://schemas.microsoft.com/office/powerpoint/2010/main" val="2648073752"/>
       </p:ext>
     </p:extLst>
   </p:cSld>
@@ -1331,8 +1329,8 @@
         </p:nvSpPr>
         <p:spPr>
           <a:xfrm>
-            <a:off x="293926" y="143768"/>
-            <a:ext cx="3680460" cy="521941"/>
+            <a:off x="293926" y="162955"/>
+            <a:ext cx="3680460" cy="591594"/>
           </a:xfrm>
         </p:spPr>
         <p:txBody>
@@ -1359,8 +1357,8 @@
         </p:nvSpPr>
         <p:spPr>
           <a:xfrm>
-            <a:off x="293926" y="661958"/>
-            <a:ext cx="1805225" cy="324415"/>
+            <a:off x="293926" y="750297"/>
+            <a:ext cx="1805225" cy="367709"/>
           </a:xfrm>
         </p:spPr>
         <p:txBody>
@@ -1368,39 +1366,39 @@
           <a:lstStyle>
             <a:lvl1pPr marL="0" indent="0">
               <a:buNone/>
-              <a:defRPr sz="840" b="1"/>
+              <a:defRPr sz="1071" b="1"/>
             </a:lvl1pPr>
-            <a:lvl2pPr marL="160020" indent="0">
-              <a:buNone/>
-              <a:defRPr sz="700" b="1"/>
+            <a:lvl2pPr marL="204048" indent="0">
+              <a:buNone/>
+              <a:defRPr sz="893" b="1"/>
             </a:lvl2pPr>
-            <a:lvl3pPr marL="320040" indent="0">
-              <a:buNone/>
-              <a:defRPr sz="630" b="1"/>
+            <a:lvl3pPr marL="408097" indent="0">
+              <a:buNone/>
+              <a:defRPr sz="803" b="1"/>
             </a:lvl3pPr>
-            <a:lvl4pPr marL="480060" indent="0">
-              <a:buNone/>
-              <a:defRPr sz="560" b="1"/>
+            <a:lvl4pPr marL="612145" indent="0">
+              <a:buNone/>
+              <a:defRPr sz="714" b="1"/>
             </a:lvl4pPr>
-            <a:lvl5pPr marL="640080" indent="0">
-              <a:buNone/>
-              <a:defRPr sz="560" b="1"/>
+            <a:lvl5pPr marL="816193" indent="0">
+              <a:buNone/>
+              <a:defRPr sz="714" b="1"/>
             </a:lvl5pPr>
-            <a:lvl6pPr marL="800100" indent="0">
-              <a:buNone/>
-              <a:defRPr sz="560" b="1"/>
+            <a:lvl6pPr marL="1020242" indent="0">
+              <a:buNone/>
+              <a:defRPr sz="714" b="1"/>
             </a:lvl6pPr>
-            <a:lvl7pPr marL="960120" indent="0">
-              <a:buNone/>
-              <a:defRPr sz="560" b="1"/>
+            <a:lvl7pPr marL="1224290" indent="0">
+              <a:buNone/>
+              <a:defRPr sz="714" b="1"/>
             </a:lvl7pPr>
-            <a:lvl8pPr marL="1120140" indent="0">
-              <a:buNone/>
-              <a:defRPr sz="560" b="1"/>
+            <a:lvl8pPr marL="1428339" indent="0">
+              <a:buNone/>
+              <a:defRPr sz="714" b="1"/>
             </a:lvl8pPr>
-            <a:lvl9pPr marL="1280160" indent="0">
-              <a:buNone/>
-              <a:defRPr sz="560" b="1"/>
+            <a:lvl9pPr marL="1632387" indent="0">
+              <a:buNone/>
+              <a:defRPr sz="714" b="1"/>
             </a:lvl9pPr>
           </a:lstStyle>
           <a:p>
@@ -1424,8 +1422,8 @@
         </p:nvSpPr>
         <p:spPr>
           <a:xfrm>
-            <a:off x="293926" y="986373"/>
-            <a:ext cx="1805225" cy="1450807"/>
+            <a:off x="293926" y="1118006"/>
+            <a:ext cx="1805225" cy="1644418"/>
           </a:xfrm>
         </p:spPr>
         <p:txBody>
@@ -1481,8 +1479,8 @@
         </p:nvSpPr>
         <p:spPr>
           <a:xfrm>
-            <a:off x="2160270" y="661958"/>
-            <a:ext cx="1814116" cy="324415"/>
+            <a:off x="2160270" y="750297"/>
+            <a:ext cx="1814116" cy="367709"/>
           </a:xfrm>
         </p:spPr>
         <p:txBody>
@@ -1490,39 +1488,39 @@
           <a:lstStyle>
             <a:lvl1pPr marL="0" indent="0">
               <a:buNone/>
-              <a:defRPr sz="840" b="1"/>
+              <a:defRPr sz="1071" b="1"/>
             </a:lvl1pPr>
-            <a:lvl2pPr marL="160020" indent="0">
-              <a:buNone/>
-              <a:defRPr sz="700" b="1"/>
+            <a:lvl2pPr marL="204048" indent="0">
+              <a:buNone/>
+              <a:defRPr sz="893" b="1"/>
             </a:lvl2pPr>
-            <a:lvl3pPr marL="320040" indent="0">
-              <a:buNone/>
-              <a:defRPr sz="630" b="1"/>
+            <a:lvl3pPr marL="408097" indent="0">
+              <a:buNone/>
+              <a:defRPr sz="803" b="1"/>
             </a:lvl3pPr>
-            <a:lvl4pPr marL="480060" indent="0">
-              <a:buNone/>
-              <a:defRPr sz="560" b="1"/>
+            <a:lvl4pPr marL="612145" indent="0">
+              <a:buNone/>
+              <a:defRPr sz="714" b="1"/>
             </a:lvl4pPr>
-            <a:lvl5pPr marL="640080" indent="0">
-              <a:buNone/>
-              <a:defRPr sz="560" b="1"/>
+            <a:lvl5pPr marL="816193" indent="0">
+              <a:buNone/>
+              <a:defRPr sz="714" b="1"/>
             </a:lvl5pPr>
-            <a:lvl6pPr marL="800100" indent="0">
-              <a:buNone/>
-              <a:defRPr sz="560" b="1"/>
+            <a:lvl6pPr marL="1020242" indent="0">
+              <a:buNone/>
+              <a:defRPr sz="714" b="1"/>
             </a:lvl6pPr>
-            <a:lvl7pPr marL="960120" indent="0">
-              <a:buNone/>
-              <a:defRPr sz="560" b="1"/>
+            <a:lvl7pPr marL="1224290" indent="0">
+              <a:buNone/>
+              <a:defRPr sz="714" b="1"/>
             </a:lvl7pPr>
-            <a:lvl8pPr marL="1120140" indent="0">
-              <a:buNone/>
-              <a:defRPr sz="560" b="1"/>
+            <a:lvl8pPr marL="1428339" indent="0">
+              <a:buNone/>
+              <a:defRPr sz="714" b="1"/>
             </a:lvl8pPr>
-            <a:lvl9pPr marL="1280160" indent="0">
-              <a:buNone/>
-              <a:defRPr sz="560" b="1"/>
+            <a:lvl9pPr marL="1632387" indent="0">
+              <a:buNone/>
+              <a:defRPr sz="714" b="1"/>
             </a:lvl9pPr>
           </a:lstStyle>
           <a:p>
@@ -1546,8 +1544,8 @@
         </p:nvSpPr>
         <p:spPr>
           <a:xfrm>
-            <a:off x="2160270" y="986373"/>
-            <a:ext cx="1814116" cy="1450807"/>
+            <a:off x="2160270" y="1118006"/>
+            <a:ext cx="1814116" cy="1644418"/>
           </a:xfrm>
         </p:spPr>
         <p:txBody>
@@ -1608,7 +1606,7 @@
           <a:p>
             <a:fld id="{CA1BB51F-BFC6-4DD3-8C2A-5B21FD6F69C3}" type="datetimeFigureOut">
               <a:rPr lang="en-SE" smtClean="0"/>
-              <a:t>2023-10-05</a:t>
+              <a:t>10/01/2023</a:t>
             </a:fld>
             <a:endParaRPr lang="en-SE"/>
           </a:p>
@@ -1659,7 +1657,7 @@
     </p:spTree>
     <p:extLst>
       <p:ext uri="{BB962C8B-B14F-4D97-AF65-F5344CB8AC3E}">
-        <p14:creationId xmlns:p14="http://schemas.microsoft.com/office/powerpoint/2010/main" val="3382484599"/>
+        <p14:creationId xmlns:p14="http://schemas.microsoft.com/office/powerpoint/2010/main" val="2183423587"/>
       </p:ext>
     </p:extLst>
   </p:cSld>
@@ -1726,7 +1724,7 @@
           <a:p>
             <a:fld id="{CA1BB51F-BFC6-4DD3-8C2A-5B21FD6F69C3}" type="datetimeFigureOut">
               <a:rPr lang="en-SE" smtClean="0"/>
-              <a:t>2023-10-05</a:t>
+              <a:t>10/01/2023</a:t>
             </a:fld>
             <a:endParaRPr lang="en-SE"/>
           </a:p>
@@ -1777,7 +1775,7 @@
     </p:spTree>
     <p:extLst>
       <p:ext uri="{BB962C8B-B14F-4D97-AF65-F5344CB8AC3E}">
-        <p14:creationId xmlns:p14="http://schemas.microsoft.com/office/powerpoint/2010/main" val="3511853482"/>
+        <p14:creationId xmlns:p14="http://schemas.microsoft.com/office/powerpoint/2010/main" val="4149647200"/>
       </p:ext>
     </p:extLst>
   </p:cSld>
@@ -1821,7 +1819,7 @@
           <a:p>
             <a:fld id="{CA1BB51F-BFC6-4DD3-8C2A-5B21FD6F69C3}" type="datetimeFigureOut">
               <a:rPr lang="en-SE" smtClean="0"/>
-              <a:t>2023-10-05</a:t>
+              <a:t>10/01/2023</a:t>
             </a:fld>
             <a:endParaRPr lang="en-SE"/>
           </a:p>
@@ -1872,7 +1870,7 @@
     </p:spTree>
     <p:extLst>
       <p:ext uri="{BB962C8B-B14F-4D97-AF65-F5344CB8AC3E}">
-        <p14:creationId xmlns:p14="http://schemas.microsoft.com/office/powerpoint/2010/main" val="2530389400"/>
+        <p14:creationId xmlns:p14="http://schemas.microsoft.com/office/powerpoint/2010/main" val="3020103826"/>
       </p:ext>
     </p:extLst>
   </p:cSld>
@@ -1911,15 +1909,15 @@
         </p:nvSpPr>
         <p:spPr>
           <a:xfrm>
-            <a:off x="293926" y="180022"/>
-            <a:ext cx="1376283" cy="630079"/>
+            <a:off x="293926" y="204047"/>
+            <a:ext cx="1376283" cy="714163"/>
           </a:xfrm>
         </p:spPr>
         <p:txBody>
           <a:bodyPr anchor="b"/>
           <a:lstStyle>
             <a:lvl1pPr>
-              <a:defRPr sz="1120"/>
+              <a:defRPr sz="1428"/>
             </a:lvl1pPr>
           </a:lstStyle>
           <a:p>
@@ -1943,39 +1941,39 @@
         </p:nvSpPr>
         <p:spPr>
           <a:xfrm>
-            <a:off x="1814116" y="388799"/>
-            <a:ext cx="2160270" cy="1918990"/>
+            <a:off x="1814116" y="440685"/>
+            <a:ext cx="2160270" cy="2175081"/>
           </a:xfrm>
         </p:spPr>
         <p:txBody>
           <a:bodyPr/>
           <a:lstStyle>
             <a:lvl1pPr>
-              <a:defRPr sz="1120"/>
+              <a:defRPr sz="1428"/>
             </a:lvl1pPr>
             <a:lvl2pPr>
-              <a:defRPr sz="980"/>
+              <a:defRPr sz="1250"/>
             </a:lvl2pPr>
             <a:lvl3pPr>
-              <a:defRPr sz="840"/>
+              <a:defRPr sz="1071"/>
             </a:lvl3pPr>
             <a:lvl4pPr>
-              <a:defRPr sz="700"/>
+              <a:defRPr sz="893"/>
             </a:lvl4pPr>
             <a:lvl5pPr>
-              <a:defRPr sz="700"/>
+              <a:defRPr sz="893"/>
             </a:lvl5pPr>
             <a:lvl6pPr>
-              <a:defRPr sz="700"/>
+              <a:defRPr sz="893"/>
             </a:lvl6pPr>
             <a:lvl7pPr>
-              <a:defRPr sz="700"/>
+              <a:defRPr sz="893"/>
             </a:lvl7pPr>
             <a:lvl8pPr>
-              <a:defRPr sz="700"/>
+              <a:defRPr sz="893"/>
             </a:lvl8pPr>
             <a:lvl9pPr>
-              <a:defRPr sz="700"/>
+              <a:defRPr sz="893"/>
             </a:lvl9pPr>
           </a:lstStyle>
           <a:p>
@@ -2028,8 +2026,8 @@
         </p:nvSpPr>
         <p:spPr>
           <a:xfrm>
-            <a:off x="293926" y="810101"/>
-            <a:ext cx="1376283" cy="1500813"/>
+            <a:off x="293926" y="918210"/>
+            <a:ext cx="1376283" cy="1701098"/>
           </a:xfrm>
         </p:spPr>
         <p:txBody>
@@ -2037,39 +2035,39 @@
           <a:lstStyle>
             <a:lvl1pPr marL="0" indent="0">
               <a:buNone/>
-              <a:defRPr sz="560"/>
+              <a:defRPr sz="714"/>
             </a:lvl1pPr>
-            <a:lvl2pPr marL="160020" indent="0">
-              <a:buNone/>
-              <a:defRPr sz="490"/>
+            <a:lvl2pPr marL="204048" indent="0">
+              <a:buNone/>
+              <a:defRPr sz="625"/>
             </a:lvl2pPr>
-            <a:lvl3pPr marL="320040" indent="0">
-              <a:buNone/>
-              <a:defRPr sz="420"/>
+            <a:lvl3pPr marL="408097" indent="0">
+              <a:buNone/>
+              <a:defRPr sz="536"/>
             </a:lvl3pPr>
-            <a:lvl4pPr marL="480060" indent="0">
-              <a:buNone/>
-              <a:defRPr sz="350"/>
+            <a:lvl4pPr marL="612145" indent="0">
+              <a:buNone/>
+              <a:defRPr sz="446"/>
             </a:lvl4pPr>
-            <a:lvl5pPr marL="640080" indent="0">
-              <a:buNone/>
-              <a:defRPr sz="350"/>
+            <a:lvl5pPr marL="816193" indent="0">
+              <a:buNone/>
+              <a:defRPr sz="446"/>
             </a:lvl5pPr>
-            <a:lvl6pPr marL="800100" indent="0">
-              <a:buNone/>
-              <a:defRPr sz="350"/>
+            <a:lvl6pPr marL="1020242" indent="0">
+              <a:buNone/>
+              <a:defRPr sz="446"/>
             </a:lvl6pPr>
-            <a:lvl7pPr marL="960120" indent="0">
-              <a:buNone/>
-              <a:defRPr sz="350"/>
+            <a:lvl7pPr marL="1224290" indent="0">
+              <a:buNone/>
+              <a:defRPr sz="446"/>
             </a:lvl7pPr>
-            <a:lvl8pPr marL="1120140" indent="0">
-              <a:buNone/>
-              <a:defRPr sz="350"/>
+            <a:lvl8pPr marL="1428339" indent="0">
+              <a:buNone/>
+              <a:defRPr sz="446"/>
             </a:lvl8pPr>
-            <a:lvl9pPr marL="1280160" indent="0">
-              <a:buNone/>
-              <a:defRPr sz="350"/>
+            <a:lvl9pPr marL="1632387" indent="0">
+              <a:buNone/>
+              <a:defRPr sz="446"/>
             </a:lvl9pPr>
           </a:lstStyle>
           <a:p>
@@ -2098,7 +2096,7 @@
           <a:p>
             <a:fld id="{CA1BB51F-BFC6-4DD3-8C2A-5B21FD6F69C3}" type="datetimeFigureOut">
               <a:rPr lang="en-SE" smtClean="0"/>
-              <a:t>2023-10-05</a:t>
+              <a:t>10/01/2023</a:t>
             </a:fld>
             <a:endParaRPr lang="en-SE"/>
           </a:p>
@@ -2149,7 +2147,7 @@
     </p:spTree>
     <p:extLst>
       <p:ext uri="{BB962C8B-B14F-4D97-AF65-F5344CB8AC3E}">
-        <p14:creationId xmlns:p14="http://schemas.microsoft.com/office/powerpoint/2010/main" val="282768898"/>
+        <p14:creationId xmlns:p14="http://schemas.microsoft.com/office/powerpoint/2010/main" val="2597206534"/>
       </p:ext>
     </p:extLst>
   </p:cSld>
@@ -2188,15 +2186,15 @@
         </p:nvSpPr>
         <p:spPr>
           <a:xfrm>
-            <a:off x="293926" y="180022"/>
-            <a:ext cx="1376283" cy="630079"/>
+            <a:off x="293926" y="204047"/>
+            <a:ext cx="1376283" cy="714163"/>
           </a:xfrm>
         </p:spPr>
         <p:txBody>
           <a:bodyPr anchor="b"/>
           <a:lstStyle>
             <a:lvl1pPr>
-              <a:defRPr sz="1120"/>
+              <a:defRPr sz="1428"/>
             </a:lvl1pPr>
           </a:lstStyle>
           <a:p>
@@ -2220,8 +2218,8 @@
         </p:nvSpPr>
         <p:spPr>
           <a:xfrm>
-            <a:off x="1814116" y="388799"/>
-            <a:ext cx="2160270" cy="1918990"/>
+            <a:off x="1814116" y="440685"/>
+            <a:ext cx="2160270" cy="2175081"/>
           </a:xfrm>
         </p:spPr>
         <p:txBody>
@@ -2229,39 +2227,39 @@
           <a:lstStyle>
             <a:lvl1pPr marL="0" indent="0">
               <a:buNone/>
-              <a:defRPr sz="1120"/>
+              <a:defRPr sz="1428"/>
             </a:lvl1pPr>
-            <a:lvl2pPr marL="160020" indent="0">
-              <a:buNone/>
-              <a:defRPr sz="980"/>
+            <a:lvl2pPr marL="204048" indent="0">
+              <a:buNone/>
+              <a:defRPr sz="1250"/>
             </a:lvl2pPr>
-            <a:lvl3pPr marL="320040" indent="0">
-              <a:buNone/>
-              <a:defRPr sz="840"/>
+            <a:lvl3pPr marL="408097" indent="0">
+              <a:buNone/>
+              <a:defRPr sz="1071"/>
             </a:lvl3pPr>
-            <a:lvl4pPr marL="480060" indent="0">
-              <a:buNone/>
-              <a:defRPr sz="700"/>
+            <a:lvl4pPr marL="612145" indent="0">
+              <a:buNone/>
+              <a:defRPr sz="893"/>
             </a:lvl4pPr>
-            <a:lvl5pPr marL="640080" indent="0">
-              <a:buNone/>
-              <a:defRPr sz="700"/>
+            <a:lvl5pPr marL="816193" indent="0">
+              <a:buNone/>
+              <a:defRPr sz="893"/>
             </a:lvl5pPr>
-            <a:lvl6pPr marL="800100" indent="0">
-              <a:buNone/>
-              <a:defRPr sz="700"/>
+            <a:lvl6pPr marL="1020242" indent="0">
+              <a:buNone/>
+              <a:defRPr sz="893"/>
             </a:lvl6pPr>
-            <a:lvl7pPr marL="960120" indent="0">
-              <a:buNone/>
-              <a:defRPr sz="700"/>
+            <a:lvl7pPr marL="1224290" indent="0">
+              <a:buNone/>
+              <a:defRPr sz="893"/>
             </a:lvl7pPr>
-            <a:lvl8pPr marL="1120140" indent="0">
-              <a:buNone/>
-              <a:defRPr sz="700"/>
+            <a:lvl8pPr marL="1428339" indent="0">
+              <a:buNone/>
+              <a:defRPr sz="893"/>
             </a:lvl8pPr>
-            <a:lvl9pPr marL="1280160" indent="0">
-              <a:buNone/>
-              <a:defRPr sz="700"/>
+            <a:lvl9pPr marL="1632387" indent="0">
+              <a:buNone/>
+              <a:defRPr sz="893"/>
             </a:lvl9pPr>
           </a:lstStyle>
           <a:p>
@@ -2285,8 +2283,8 @@
         </p:nvSpPr>
         <p:spPr>
           <a:xfrm>
-            <a:off x="293926" y="810101"/>
-            <a:ext cx="1376283" cy="1500813"/>
+            <a:off x="293926" y="918210"/>
+            <a:ext cx="1376283" cy="1701098"/>
           </a:xfrm>
         </p:spPr>
         <p:txBody>
@@ -2294,39 +2292,39 @@
           <a:lstStyle>
             <a:lvl1pPr marL="0" indent="0">
               <a:buNone/>
-              <a:defRPr sz="560"/>
+              <a:defRPr sz="714"/>
             </a:lvl1pPr>
-            <a:lvl2pPr marL="160020" indent="0">
-              <a:buNone/>
-              <a:defRPr sz="490"/>
+            <a:lvl2pPr marL="204048" indent="0">
+              <a:buNone/>
+              <a:defRPr sz="625"/>
             </a:lvl2pPr>
-            <a:lvl3pPr marL="320040" indent="0">
-              <a:buNone/>
-              <a:defRPr sz="420"/>
+            <a:lvl3pPr marL="408097" indent="0">
+              <a:buNone/>
+              <a:defRPr sz="536"/>
             </a:lvl3pPr>
-            <a:lvl4pPr marL="480060" indent="0">
-              <a:buNone/>
-              <a:defRPr sz="350"/>
+            <a:lvl4pPr marL="612145" indent="0">
+              <a:buNone/>
+              <a:defRPr sz="446"/>
             </a:lvl4pPr>
-            <a:lvl5pPr marL="640080" indent="0">
-              <a:buNone/>
-              <a:defRPr sz="350"/>
+            <a:lvl5pPr marL="816193" indent="0">
+              <a:buNone/>
+              <a:defRPr sz="446"/>
             </a:lvl5pPr>
-            <a:lvl6pPr marL="800100" indent="0">
-              <a:buNone/>
-              <a:defRPr sz="350"/>
+            <a:lvl6pPr marL="1020242" indent="0">
+              <a:buNone/>
+              <a:defRPr sz="446"/>
             </a:lvl6pPr>
-            <a:lvl7pPr marL="960120" indent="0">
-              <a:buNone/>
-              <a:defRPr sz="350"/>
+            <a:lvl7pPr marL="1224290" indent="0">
+              <a:buNone/>
+              <a:defRPr sz="446"/>
             </a:lvl7pPr>
-            <a:lvl8pPr marL="1120140" indent="0">
-              <a:buNone/>
-              <a:defRPr sz="350"/>
+            <a:lvl8pPr marL="1428339" indent="0">
+              <a:buNone/>
+              <a:defRPr sz="446"/>
             </a:lvl8pPr>
-            <a:lvl9pPr marL="1280160" indent="0">
-              <a:buNone/>
-              <a:defRPr sz="350"/>
+            <a:lvl9pPr marL="1632387" indent="0">
+              <a:buNone/>
+              <a:defRPr sz="446"/>
             </a:lvl9pPr>
           </a:lstStyle>
           <a:p>
@@ -2355,7 +2353,7 @@
           <a:p>
             <a:fld id="{CA1BB51F-BFC6-4DD3-8C2A-5B21FD6F69C3}" type="datetimeFigureOut">
               <a:rPr lang="en-SE" smtClean="0"/>
-              <a:t>2023-10-05</a:t>
+              <a:t>10/01/2023</a:t>
             </a:fld>
             <a:endParaRPr lang="en-SE"/>
           </a:p>
@@ -2406,7 +2404,7 @@
     </p:spTree>
     <p:extLst>
       <p:ext uri="{BB962C8B-B14F-4D97-AF65-F5344CB8AC3E}">
-        <p14:creationId xmlns:p14="http://schemas.microsoft.com/office/powerpoint/2010/main" val="2753733874"/>
+        <p14:creationId xmlns:p14="http://schemas.microsoft.com/office/powerpoint/2010/main" val="1651247271"/>
       </p:ext>
     </p:extLst>
   </p:cSld>
@@ -2450,8 +2448,8 @@
         </p:nvSpPr>
         <p:spPr>
           <a:xfrm>
-            <a:off x="293370" y="143768"/>
-            <a:ext cx="3680460" cy="521941"/>
+            <a:off x="293370" y="162955"/>
+            <a:ext cx="3680460" cy="591594"/>
           </a:xfrm>
           <a:prstGeom prst="rect">
             <a:avLst/>
@@ -2483,8 +2481,8 @@
         </p:nvSpPr>
         <p:spPr>
           <a:xfrm>
-            <a:off x="293370" y="718840"/>
-            <a:ext cx="3680460" cy="1713340"/>
+            <a:off x="293370" y="814770"/>
+            <a:ext cx="3680460" cy="1941986"/>
           </a:xfrm>
           <a:prstGeom prst="rect">
             <a:avLst/>
@@ -2545,8 +2543,8 @@
         </p:nvSpPr>
         <p:spPr>
           <a:xfrm>
-            <a:off x="293370" y="2502813"/>
-            <a:ext cx="960120" cy="143768"/>
+            <a:off x="293370" y="2836816"/>
+            <a:ext cx="960120" cy="162954"/>
           </a:xfrm>
           <a:prstGeom prst="rect">
             <a:avLst/>
@@ -2556,7 +2554,7 @@
           <a:bodyPr vert="horz" lIns="91440" tIns="45720" rIns="91440" bIns="45720" rtlCol="0" anchor="ctr"/>
           <a:lstStyle>
             <a:lvl1pPr algn="l">
-              <a:defRPr sz="420">
+              <a:defRPr sz="536">
                 <a:solidFill>
                   <a:schemeClr val="tx1">
                     <a:tint val="75000"/>
@@ -2568,7 +2566,7 @@
           <a:p>
             <a:fld id="{CA1BB51F-BFC6-4DD3-8C2A-5B21FD6F69C3}" type="datetimeFigureOut">
               <a:rPr lang="en-SE" smtClean="0"/>
-              <a:t>2023-10-05</a:t>
+              <a:t>10/01/2023</a:t>
             </a:fld>
             <a:endParaRPr lang="en-SE"/>
           </a:p>
@@ -2586,8 +2584,8 @@
         </p:nvSpPr>
         <p:spPr>
           <a:xfrm>
-            <a:off x="1413510" y="2502813"/>
-            <a:ext cx="1440180" cy="143768"/>
+            <a:off x="1413510" y="2836816"/>
+            <a:ext cx="1440180" cy="162954"/>
           </a:xfrm>
           <a:prstGeom prst="rect">
             <a:avLst/>
@@ -2597,7 +2595,7 @@
           <a:bodyPr vert="horz" lIns="91440" tIns="45720" rIns="91440" bIns="45720" rtlCol="0" anchor="ctr"/>
           <a:lstStyle>
             <a:lvl1pPr algn="ctr">
-              <a:defRPr sz="420">
+              <a:defRPr sz="536">
                 <a:solidFill>
                   <a:schemeClr val="tx1">
                     <a:tint val="75000"/>
@@ -2623,8 +2621,8 @@
         </p:nvSpPr>
         <p:spPr>
           <a:xfrm>
-            <a:off x="3013710" y="2502813"/>
-            <a:ext cx="960120" cy="143768"/>
+            <a:off x="3013710" y="2836816"/>
+            <a:ext cx="960120" cy="162954"/>
           </a:xfrm>
           <a:prstGeom prst="rect">
             <a:avLst/>
@@ -2634,7 +2632,7 @@
           <a:bodyPr vert="horz" lIns="91440" tIns="45720" rIns="91440" bIns="45720" rtlCol="0" anchor="ctr"/>
           <a:lstStyle>
             <a:lvl1pPr algn="r">
-              <a:defRPr sz="420">
+              <a:defRPr sz="536">
                 <a:solidFill>
                   <a:schemeClr val="tx1">
                     <a:tint val="75000"/>
@@ -2655,27 +2653,27 @@
     </p:spTree>
     <p:extLst>
       <p:ext uri="{BB962C8B-B14F-4D97-AF65-F5344CB8AC3E}">
-        <p14:creationId xmlns:p14="http://schemas.microsoft.com/office/powerpoint/2010/main" val="3165969290"/>
+        <p14:creationId xmlns:p14="http://schemas.microsoft.com/office/powerpoint/2010/main" val="3317271039"/>
       </p:ext>
     </p:extLst>
   </p:cSld>
   <p:clrMap bg1="lt1" tx1="dk1" bg2="lt2" tx2="dk2" accent1="accent1" accent2="accent2" accent3="accent3" accent4="accent4" accent5="accent5" accent6="accent6" hlink="hlink" folHlink="folHlink"/>
   <p:sldLayoutIdLst>
-    <p:sldLayoutId id="2147483769" r:id="rId1"/>
-    <p:sldLayoutId id="2147483770" r:id="rId2"/>
-    <p:sldLayoutId id="2147483771" r:id="rId3"/>
-    <p:sldLayoutId id="2147483772" r:id="rId4"/>
-    <p:sldLayoutId id="2147483773" r:id="rId5"/>
-    <p:sldLayoutId id="2147483774" r:id="rId6"/>
-    <p:sldLayoutId id="2147483775" r:id="rId7"/>
-    <p:sldLayoutId id="2147483776" r:id="rId8"/>
-    <p:sldLayoutId id="2147483777" r:id="rId9"/>
-    <p:sldLayoutId id="2147483778" r:id="rId10"/>
-    <p:sldLayoutId id="2147483779" r:id="rId11"/>
+    <p:sldLayoutId id="2147483781" r:id="rId1"/>
+    <p:sldLayoutId id="2147483782" r:id="rId2"/>
+    <p:sldLayoutId id="2147483783" r:id="rId3"/>
+    <p:sldLayoutId id="2147483784" r:id="rId4"/>
+    <p:sldLayoutId id="2147483785" r:id="rId5"/>
+    <p:sldLayoutId id="2147483786" r:id="rId6"/>
+    <p:sldLayoutId id="2147483787" r:id="rId7"/>
+    <p:sldLayoutId id="2147483788" r:id="rId8"/>
+    <p:sldLayoutId id="2147483789" r:id="rId9"/>
+    <p:sldLayoutId id="2147483790" r:id="rId10"/>
+    <p:sldLayoutId id="2147483791" r:id="rId11"/>
   </p:sldLayoutIdLst>
   <p:txStyles>
     <p:titleStyle>
-      <a:lvl1pPr algn="l" defTabSz="320040" rtl="0" eaLnBrk="1" latinLnBrk="0" hangingPunct="1">
+      <a:lvl1pPr algn="l" defTabSz="408097" rtl="0" eaLnBrk="1" latinLnBrk="0" hangingPunct="1">
         <a:lnSpc>
           <a:spcPct val="90000"/>
         </a:lnSpc>
@@ -2683,7 +2681,7 @@
           <a:spcPct val="0"/>
         </a:spcBef>
         <a:buNone/>
-        <a:defRPr sz="1540" kern="1200">
+        <a:defRPr sz="1964" kern="1200">
           <a:solidFill>
             <a:schemeClr val="tx1"/>
           </a:solidFill>
@@ -2694,16 +2692,16 @@
       </a:lvl1pPr>
     </p:titleStyle>
     <p:bodyStyle>
-      <a:lvl1pPr marL="80010" indent="-80010" algn="l" defTabSz="320040" rtl="0" eaLnBrk="1" latinLnBrk="0" hangingPunct="1">
+      <a:lvl1pPr marL="102024" indent="-102024" algn="l" defTabSz="408097" rtl="0" eaLnBrk="1" latinLnBrk="0" hangingPunct="1">
         <a:lnSpc>
           <a:spcPct val="90000"/>
         </a:lnSpc>
         <a:spcBef>
-          <a:spcPts val="350"/>
+          <a:spcPts val="446"/>
         </a:spcBef>
         <a:buFont typeface="Arial" panose="020B0604020202020204" pitchFamily="34" charset="0"/>
         <a:buChar char="•"/>
-        <a:defRPr sz="980" kern="1200">
+        <a:defRPr sz="1250" kern="1200">
           <a:solidFill>
             <a:schemeClr val="tx1"/>
           </a:solidFill>
@@ -2712,16 +2710,16 @@
           <a:cs typeface="+mn-cs"/>
         </a:defRPr>
       </a:lvl1pPr>
-      <a:lvl2pPr marL="240030" indent="-80010" algn="l" defTabSz="320040" rtl="0" eaLnBrk="1" latinLnBrk="0" hangingPunct="1">
+      <a:lvl2pPr marL="306073" indent="-102024" algn="l" defTabSz="408097" rtl="0" eaLnBrk="1" latinLnBrk="0" hangingPunct="1">
         <a:lnSpc>
           <a:spcPct val="90000"/>
         </a:lnSpc>
         <a:spcBef>
-          <a:spcPts val="175"/>
+          <a:spcPts val="223"/>
         </a:spcBef>
         <a:buFont typeface="Arial" panose="020B0604020202020204" pitchFamily="34" charset="0"/>
         <a:buChar char="•"/>
-        <a:defRPr sz="840" kern="1200">
+        <a:defRPr sz="1071" kern="1200">
           <a:solidFill>
             <a:schemeClr val="tx1"/>
           </a:solidFill>
@@ -2730,16 +2728,16 @@
           <a:cs typeface="+mn-cs"/>
         </a:defRPr>
       </a:lvl2pPr>
-      <a:lvl3pPr marL="400050" indent="-80010" algn="l" defTabSz="320040" rtl="0" eaLnBrk="1" latinLnBrk="0" hangingPunct="1">
+      <a:lvl3pPr marL="510121" indent="-102024" algn="l" defTabSz="408097" rtl="0" eaLnBrk="1" latinLnBrk="0" hangingPunct="1">
         <a:lnSpc>
           <a:spcPct val="90000"/>
         </a:lnSpc>
         <a:spcBef>
-          <a:spcPts val="175"/>
+          <a:spcPts val="223"/>
         </a:spcBef>
         <a:buFont typeface="Arial" panose="020B0604020202020204" pitchFamily="34" charset="0"/>
         <a:buChar char="•"/>
-        <a:defRPr sz="700" kern="1200">
+        <a:defRPr sz="893" kern="1200">
           <a:solidFill>
             <a:schemeClr val="tx1"/>
           </a:solidFill>
@@ -2748,16 +2746,16 @@
           <a:cs typeface="+mn-cs"/>
         </a:defRPr>
       </a:lvl3pPr>
-      <a:lvl4pPr marL="560070" indent="-80010" algn="l" defTabSz="320040" rtl="0" eaLnBrk="1" latinLnBrk="0" hangingPunct="1">
+      <a:lvl4pPr marL="714169" indent="-102024" algn="l" defTabSz="408097" rtl="0" eaLnBrk="1" latinLnBrk="0" hangingPunct="1">
         <a:lnSpc>
           <a:spcPct val="90000"/>
         </a:lnSpc>
         <a:spcBef>
-          <a:spcPts val="175"/>
+          <a:spcPts val="223"/>
         </a:spcBef>
         <a:buFont typeface="Arial" panose="020B0604020202020204" pitchFamily="34" charset="0"/>
         <a:buChar char="•"/>
-        <a:defRPr sz="630" kern="1200">
+        <a:defRPr sz="803" kern="1200">
           <a:solidFill>
             <a:schemeClr val="tx1"/>
           </a:solidFill>
@@ -2766,16 +2764,16 @@
           <a:cs typeface="+mn-cs"/>
         </a:defRPr>
       </a:lvl4pPr>
-      <a:lvl5pPr marL="720090" indent="-80010" algn="l" defTabSz="320040" rtl="0" eaLnBrk="1" latinLnBrk="0" hangingPunct="1">
+      <a:lvl5pPr marL="918218" indent="-102024" algn="l" defTabSz="408097" rtl="0" eaLnBrk="1" latinLnBrk="0" hangingPunct="1">
         <a:lnSpc>
           <a:spcPct val="90000"/>
         </a:lnSpc>
         <a:spcBef>
-          <a:spcPts val="175"/>
+          <a:spcPts val="223"/>
         </a:spcBef>
         <a:buFont typeface="Arial" panose="020B0604020202020204" pitchFamily="34" charset="0"/>
         <a:buChar char="•"/>
-        <a:defRPr sz="630" kern="1200">
+        <a:defRPr sz="803" kern="1200">
           <a:solidFill>
             <a:schemeClr val="tx1"/>
           </a:solidFill>
@@ -2784,16 +2782,16 @@
           <a:cs typeface="+mn-cs"/>
         </a:defRPr>
       </a:lvl5pPr>
-      <a:lvl6pPr marL="880110" indent="-80010" algn="l" defTabSz="320040" rtl="0" eaLnBrk="1" latinLnBrk="0" hangingPunct="1">
+      <a:lvl6pPr marL="1122266" indent="-102024" algn="l" defTabSz="408097" rtl="0" eaLnBrk="1" latinLnBrk="0" hangingPunct="1">
         <a:lnSpc>
           <a:spcPct val="90000"/>
         </a:lnSpc>
         <a:spcBef>
-          <a:spcPts val="175"/>
+          <a:spcPts val="223"/>
         </a:spcBef>
         <a:buFont typeface="Arial" panose="020B0604020202020204" pitchFamily="34" charset="0"/>
         <a:buChar char="•"/>
-        <a:defRPr sz="630" kern="1200">
+        <a:defRPr sz="803" kern="1200">
           <a:solidFill>
             <a:schemeClr val="tx1"/>
           </a:solidFill>
@@ -2802,16 +2800,16 @@
           <a:cs typeface="+mn-cs"/>
         </a:defRPr>
       </a:lvl6pPr>
-      <a:lvl7pPr marL="1040130" indent="-80010" algn="l" defTabSz="320040" rtl="0" eaLnBrk="1" latinLnBrk="0" hangingPunct="1">
+      <a:lvl7pPr marL="1326314" indent="-102024" algn="l" defTabSz="408097" rtl="0" eaLnBrk="1" latinLnBrk="0" hangingPunct="1">
         <a:lnSpc>
           <a:spcPct val="90000"/>
         </a:lnSpc>
         <a:spcBef>
-          <a:spcPts val="175"/>
+          <a:spcPts val="223"/>
         </a:spcBef>
         <a:buFont typeface="Arial" panose="020B0604020202020204" pitchFamily="34" charset="0"/>
         <a:buChar char="•"/>
-        <a:defRPr sz="630" kern="1200">
+        <a:defRPr sz="803" kern="1200">
           <a:solidFill>
             <a:schemeClr val="tx1"/>
           </a:solidFill>
@@ -2820,16 +2818,16 @@
           <a:cs typeface="+mn-cs"/>
         </a:defRPr>
       </a:lvl7pPr>
-      <a:lvl8pPr marL="1200150" indent="-80010" algn="l" defTabSz="320040" rtl="0" eaLnBrk="1" latinLnBrk="0" hangingPunct="1">
+      <a:lvl8pPr marL="1530363" indent="-102024" algn="l" defTabSz="408097" rtl="0" eaLnBrk="1" latinLnBrk="0" hangingPunct="1">
         <a:lnSpc>
           <a:spcPct val="90000"/>
         </a:lnSpc>
         <a:spcBef>
-          <a:spcPts val="175"/>
+          <a:spcPts val="223"/>
         </a:spcBef>
         <a:buFont typeface="Arial" panose="020B0604020202020204" pitchFamily="34" charset="0"/>
         <a:buChar char="•"/>
-        <a:defRPr sz="630" kern="1200">
+        <a:defRPr sz="803" kern="1200">
           <a:solidFill>
             <a:schemeClr val="tx1"/>
           </a:solidFill>
@@ -2838,16 +2836,16 @@
           <a:cs typeface="+mn-cs"/>
         </a:defRPr>
       </a:lvl8pPr>
-      <a:lvl9pPr marL="1360170" indent="-80010" algn="l" defTabSz="320040" rtl="0" eaLnBrk="1" latinLnBrk="0" hangingPunct="1">
+      <a:lvl9pPr marL="1734411" indent="-102024" algn="l" defTabSz="408097" rtl="0" eaLnBrk="1" latinLnBrk="0" hangingPunct="1">
         <a:lnSpc>
           <a:spcPct val="90000"/>
         </a:lnSpc>
         <a:spcBef>
-          <a:spcPts val="175"/>
+          <a:spcPts val="223"/>
         </a:spcBef>
         <a:buFont typeface="Arial" panose="020B0604020202020204" pitchFamily="34" charset="0"/>
         <a:buChar char="•"/>
-        <a:defRPr sz="630" kern="1200">
+        <a:defRPr sz="803" kern="1200">
           <a:solidFill>
             <a:schemeClr val="tx1"/>
           </a:solidFill>
@@ -2861,8 +2859,8 @@
       <a:defPPr>
         <a:defRPr lang="en-US"/>
       </a:defPPr>
-      <a:lvl1pPr marL="0" algn="l" defTabSz="320040" rtl="0" eaLnBrk="1" latinLnBrk="0" hangingPunct="1">
-        <a:defRPr sz="630" kern="1200">
+      <a:lvl1pPr marL="0" algn="l" defTabSz="408097" rtl="0" eaLnBrk="1" latinLnBrk="0" hangingPunct="1">
+        <a:defRPr sz="803" kern="1200">
           <a:solidFill>
             <a:schemeClr val="tx1"/>
           </a:solidFill>
@@ -2871,8 +2869,8 @@
           <a:cs typeface="+mn-cs"/>
         </a:defRPr>
       </a:lvl1pPr>
-      <a:lvl2pPr marL="160020" algn="l" defTabSz="320040" rtl="0" eaLnBrk="1" latinLnBrk="0" hangingPunct="1">
-        <a:defRPr sz="630" kern="1200">
+      <a:lvl2pPr marL="204048" algn="l" defTabSz="408097" rtl="0" eaLnBrk="1" latinLnBrk="0" hangingPunct="1">
+        <a:defRPr sz="803" kern="1200">
           <a:solidFill>
             <a:schemeClr val="tx1"/>
           </a:solidFill>
@@ -2881,8 +2879,8 @@
           <a:cs typeface="+mn-cs"/>
         </a:defRPr>
       </a:lvl2pPr>
-      <a:lvl3pPr marL="320040" algn="l" defTabSz="320040" rtl="0" eaLnBrk="1" latinLnBrk="0" hangingPunct="1">
-        <a:defRPr sz="630" kern="1200">
+      <a:lvl3pPr marL="408097" algn="l" defTabSz="408097" rtl="0" eaLnBrk="1" latinLnBrk="0" hangingPunct="1">
+        <a:defRPr sz="803" kern="1200">
           <a:solidFill>
             <a:schemeClr val="tx1"/>
           </a:solidFill>
@@ -2891,8 +2889,8 @@
           <a:cs typeface="+mn-cs"/>
         </a:defRPr>
       </a:lvl3pPr>
-      <a:lvl4pPr marL="480060" algn="l" defTabSz="320040" rtl="0" eaLnBrk="1" latinLnBrk="0" hangingPunct="1">
-        <a:defRPr sz="630" kern="1200">
+      <a:lvl4pPr marL="612145" algn="l" defTabSz="408097" rtl="0" eaLnBrk="1" latinLnBrk="0" hangingPunct="1">
+        <a:defRPr sz="803" kern="1200">
           <a:solidFill>
             <a:schemeClr val="tx1"/>
           </a:solidFill>
@@ -2901,8 +2899,8 @@
           <a:cs typeface="+mn-cs"/>
         </a:defRPr>
       </a:lvl4pPr>
-      <a:lvl5pPr marL="640080" algn="l" defTabSz="320040" rtl="0" eaLnBrk="1" latinLnBrk="0" hangingPunct="1">
-        <a:defRPr sz="630" kern="1200">
+      <a:lvl5pPr marL="816193" algn="l" defTabSz="408097" rtl="0" eaLnBrk="1" latinLnBrk="0" hangingPunct="1">
+        <a:defRPr sz="803" kern="1200">
           <a:solidFill>
             <a:schemeClr val="tx1"/>
           </a:solidFill>
@@ -2911,8 +2909,8 @@
           <a:cs typeface="+mn-cs"/>
         </a:defRPr>
       </a:lvl5pPr>
-      <a:lvl6pPr marL="800100" algn="l" defTabSz="320040" rtl="0" eaLnBrk="1" latinLnBrk="0" hangingPunct="1">
-        <a:defRPr sz="630" kern="1200">
+      <a:lvl6pPr marL="1020242" algn="l" defTabSz="408097" rtl="0" eaLnBrk="1" latinLnBrk="0" hangingPunct="1">
+        <a:defRPr sz="803" kern="1200">
           <a:solidFill>
             <a:schemeClr val="tx1"/>
           </a:solidFill>
@@ -2921,8 +2919,8 @@
           <a:cs typeface="+mn-cs"/>
         </a:defRPr>
       </a:lvl6pPr>
-      <a:lvl7pPr marL="960120" algn="l" defTabSz="320040" rtl="0" eaLnBrk="1" latinLnBrk="0" hangingPunct="1">
-        <a:defRPr sz="630" kern="1200">
+      <a:lvl7pPr marL="1224290" algn="l" defTabSz="408097" rtl="0" eaLnBrk="1" latinLnBrk="0" hangingPunct="1">
+        <a:defRPr sz="803" kern="1200">
           <a:solidFill>
             <a:schemeClr val="tx1"/>
           </a:solidFill>
@@ -2931,8 +2929,8 @@
           <a:cs typeface="+mn-cs"/>
         </a:defRPr>
       </a:lvl7pPr>
-      <a:lvl8pPr marL="1120140" algn="l" defTabSz="320040" rtl="0" eaLnBrk="1" latinLnBrk="0" hangingPunct="1">
-        <a:defRPr sz="630" kern="1200">
+      <a:lvl8pPr marL="1428339" algn="l" defTabSz="408097" rtl="0" eaLnBrk="1" latinLnBrk="0" hangingPunct="1">
+        <a:defRPr sz="803" kern="1200">
           <a:solidFill>
             <a:schemeClr val="tx1"/>
           </a:solidFill>
@@ -2941,8 +2939,8 @@
           <a:cs typeface="+mn-cs"/>
         </a:defRPr>
       </a:lvl8pPr>
-      <a:lvl9pPr marL="1280160" algn="l" defTabSz="320040" rtl="0" eaLnBrk="1" latinLnBrk="0" hangingPunct="1">
-        <a:defRPr sz="630" kern="1200">
+      <a:lvl9pPr marL="1632387" algn="l" defTabSz="408097" rtl="0" eaLnBrk="1" latinLnBrk="0" hangingPunct="1">
+        <a:defRPr sz="803" kern="1200">
           <a:solidFill>
             <a:schemeClr val="tx1"/>
           </a:solidFill>
@@ -2973,41 +2971,12 @@
           <a:chExt cx="0" cy="0"/>
         </a:xfrm>
       </p:grpSpPr>
-      <p:pic>
-        <p:nvPicPr>
-          <p:cNvPr id="2" name="Picture 1">
+      <p:grpSp>
+        <p:nvGrpSpPr>
+          <p:cNvPr id="2" name="Group 1">
             <a:extLst>
               <a:ext uri="{FF2B5EF4-FFF2-40B4-BE49-F238E27FC236}">
-                <a16:creationId xmlns:a16="http://schemas.microsoft.com/office/drawing/2014/main" id="{EC230EF5-01B0-A05A-9E38-004E8EF63437}"/>
-              </a:ext>
-            </a:extLst>
-          </p:cNvPr>
-          <p:cNvPicPr>
-            <a:picLocks noChangeAspect="1"/>
-          </p:cNvPicPr>
-          <p:nvPr/>
-        </p:nvPicPr>
-        <p:blipFill rotWithShape="1">
-          <a:blip r:embed="rId2"/>
-          <a:srcRect r="41142"/>
-          <a:stretch/>
-        </p:blipFill>
-        <p:spPr>
-          <a:xfrm>
-            <a:off x="1365039" y="-21046"/>
-            <a:ext cx="1464816" cy="3530600"/>
-          </a:xfrm>
-          <a:prstGeom prst="rect">
-            <a:avLst/>
-          </a:prstGeom>
-        </p:spPr>
-      </p:pic>
-      <p:grpSp>
-        <p:nvGrpSpPr>
-          <p:cNvPr id="5" name="Group 4">
-            <a:extLst>
-              <a:ext uri="{FF2B5EF4-FFF2-40B4-BE49-F238E27FC236}">
-                <a16:creationId xmlns:a16="http://schemas.microsoft.com/office/drawing/2014/main" id="{35C37365-0440-0EDE-6F22-65181D4F0D81}"/>
+                <a16:creationId xmlns:a16="http://schemas.microsoft.com/office/drawing/2014/main" id="{856D7196-EB5E-E2AC-E8E2-B1D2CF993CB4}"/>
               </a:ext>
             </a:extLst>
           </p:cNvPr>
@@ -3018,10 +2987,10 @@
         </p:nvGrpSpPr>
         <p:grpSpPr>
           <a:xfrm>
-            <a:off x="-2110" y="-22849"/>
-            <a:ext cx="4269310" cy="3599575"/>
-            <a:chOff x="0" y="-7900"/>
-            <a:chExt cx="4269310" cy="3599575"/>
+            <a:off x="1" y="-30479"/>
+            <a:ext cx="4267200" cy="3889625"/>
+            <a:chOff x="0" y="-360363"/>
+            <a:chExt cx="4267200" cy="3889625"/>
           </a:xfrm>
         </p:grpSpPr>
         <p:grpSp>
@@ -3029,19 +2998,21 @@
             <p:cNvPr id="4" name="Group 3">
               <a:extLst>
                 <a:ext uri="{FF2B5EF4-FFF2-40B4-BE49-F238E27FC236}">
-                  <a16:creationId xmlns:a16="http://schemas.microsoft.com/office/drawing/2014/main" id="{150112D3-BB85-15C8-4698-CA0254C13B5C}"/>
+                  <a16:creationId xmlns:a16="http://schemas.microsoft.com/office/drawing/2014/main" id="{0FDDDB98-29EA-51A9-FF8C-4C6B0F461403}"/>
                 </a:ext>
               </a:extLst>
             </p:cNvPr>
-            <p:cNvGrpSpPr/>
+            <p:cNvGrpSpPr>
+              <a:grpSpLocks noChangeAspect="1"/>
+            </p:cNvGrpSpPr>
             <p:nvPr/>
           </p:nvGrpSpPr>
           <p:grpSpPr>
             <a:xfrm>
-              <a:off x="0" y="-7900"/>
-              <a:ext cx="4269310" cy="3599575"/>
-              <a:chOff x="0" y="-7900"/>
-              <a:chExt cx="4269310" cy="3599575"/>
+              <a:off x="0" y="-360363"/>
+              <a:ext cx="4267200" cy="3889625"/>
+              <a:chOff x="0" y="-2805"/>
+              <a:chExt cx="4221927" cy="3848358"/>
             </a:xfrm>
           </p:grpSpPr>
           <p:pic>
@@ -3049,7 +3020,37 @@
               <p:cNvPr id="3" name="Picture 2">
                 <a:extLst>
                   <a:ext uri="{FF2B5EF4-FFF2-40B4-BE49-F238E27FC236}">
-                    <a16:creationId xmlns:a16="http://schemas.microsoft.com/office/drawing/2014/main" id="{0E6720CD-1E0A-12B6-9282-02D932EADBF4}"/>
+                    <a16:creationId xmlns:a16="http://schemas.microsoft.com/office/drawing/2014/main" id="{93C7E5CE-84F9-E8FA-691E-2834D7AD1721}"/>
+                  </a:ext>
+                </a:extLst>
+              </p:cNvPr>
+              <p:cNvPicPr>
+                <a:picLocks noChangeAspect="1"/>
+              </p:cNvPicPr>
+              <p:nvPr/>
+            </p:nvPicPr>
+            <p:blipFill>
+              <a:blip r:embed="rId2"/>
+              <a:stretch>
+                <a:fillRect/>
+              </a:stretch>
+            </p:blipFill>
+            <p:spPr>
+              <a:xfrm>
+                <a:off x="1509862" y="-2805"/>
+                <a:ext cx="2712065" cy="3847437"/>
+              </a:xfrm>
+              <a:prstGeom prst="rect">
+                <a:avLst/>
+              </a:prstGeom>
+            </p:spPr>
+          </p:pic>
+          <p:pic>
+            <p:nvPicPr>
+              <p:cNvPr id="6" name="Picture 5">
+                <a:extLst>
+                  <a:ext uri="{FF2B5EF4-FFF2-40B4-BE49-F238E27FC236}">
+                    <a16:creationId xmlns:a16="http://schemas.microsoft.com/office/drawing/2014/main" id="{DB014E4D-5CFA-7B55-94E1-67FA0B89255B}"/>
                   </a:ext>
                 </a:extLst>
               </p:cNvPr>
@@ -3066,38 +3067,8 @@
             </p:blipFill>
             <p:spPr>
               <a:xfrm>
-                <a:off x="2831965" y="-6097"/>
-                <a:ext cx="1437345" cy="3597772"/>
-              </a:xfrm>
-              <a:prstGeom prst="rect">
-                <a:avLst/>
-              </a:prstGeom>
-            </p:spPr>
-          </p:pic>
-          <p:pic>
-            <p:nvPicPr>
-              <p:cNvPr id="6" name="Picture 5">
-                <a:extLst>
-                  <a:ext uri="{FF2B5EF4-FFF2-40B4-BE49-F238E27FC236}">
-                    <a16:creationId xmlns:a16="http://schemas.microsoft.com/office/drawing/2014/main" id="{A82BD76E-B3C1-E417-FB3B-3B851AD6C5F9}"/>
-                  </a:ext>
-                </a:extLst>
-              </p:cNvPr>
-              <p:cNvPicPr>
-                <a:picLocks noChangeAspect="1"/>
-              </p:cNvPicPr>
-              <p:nvPr/>
-            </p:nvPicPr>
-            <p:blipFill>
-              <a:blip r:embed="rId4"/>
-              <a:stretch>
-                <a:fillRect/>
-              </a:stretch>
-            </p:blipFill>
-            <p:spPr>
-              <a:xfrm>
-                <a:off x="0" y="-7900"/>
-                <a:ext cx="1384765" cy="3496190"/>
+                <a:off x="0" y="-1884"/>
+                <a:ext cx="1523887" cy="3847437"/>
               </a:xfrm>
               <a:prstGeom prst="rect">
                 <a:avLst/>
@@ -3107,10 +3078,10 @@
         </p:grpSp>
         <p:sp>
           <p:nvSpPr>
-            <p:cNvPr id="7" name="Oval 6">
+            <p:cNvPr id="11" name="Oval 10">
               <a:extLst>
                 <a:ext uri="{FF2B5EF4-FFF2-40B4-BE49-F238E27FC236}">
-                  <a16:creationId xmlns:a16="http://schemas.microsoft.com/office/drawing/2014/main" id="{E58BBE4B-97D8-D20F-6F10-1928BD557D71}"/>
+                  <a16:creationId xmlns:a16="http://schemas.microsoft.com/office/drawing/2014/main" id="{E41C0E57-C460-6D15-EE86-AB9E9AA35998}"/>
                 </a:ext>
               </a:extLst>
             </p:cNvPr>
@@ -3121,7 +3092,7 @@
           </p:nvSpPr>
           <p:spPr>
             <a:xfrm>
-              <a:off x="2569308" y="2307425"/>
+              <a:off x="3210876" y="2314746"/>
               <a:ext cx="252000" cy="252000"/>
             </a:xfrm>
             <a:prstGeom prst="ellipse">
@@ -3154,21 +3125,74 @@
             </a:fontRef>
           </p:style>
           <p:txBody>
-            <a:bodyPr tIns="72000" bIns="108000" rtlCol="0" anchor="ctr"/>
+            <a:bodyPr tIns="87471" bIns="131206" rtlCol="0" anchor="ctr"/>
             <a:lstStyle/>
             <a:p>
               <a:pPr algn="ctr"/>
               <a:r>
-                <a:rPr lang="en-GB" sz="1200" dirty="0">
+                <a:rPr lang="en-GB" sz="1458" dirty="0">
                   <a:latin typeface="Arial" panose="020B0604020202020204" pitchFamily="34" charset="0"/>
                   <a:cs typeface="Arial" panose="020B0604020202020204" pitchFamily="34" charset="0"/>
                 </a:rPr>
                 <a:t>d</a:t>
               </a:r>
-              <a:endParaRPr lang="en-SE" sz="1200" dirty="0">
+              <a:endParaRPr lang="en-SE" sz="1458" dirty="0">
                 <a:latin typeface="Arial" panose="020B0604020202020204" pitchFamily="34" charset="0"/>
                 <a:cs typeface="Arial" panose="020B0604020202020204" pitchFamily="34" charset="0"/>
               </a:endParaRPr>
+            </a:p>
+          </p:txBody>
+        </p:sp>
+        <p:sp>
+          <p:nvSpPr>
+            <p:cNvPr id="12" name="Rectangle 11">
+              <a:extLst>
+                <a:ext uri="{FF2B5EF4-FFF2-40B4-BE49-F238E27FC236}">
+                  <a16:creationId xmlns:a16="http://schemas.microsoft.com/office/drawing/2014/main" id="{AC7E64CF-E231-C9D2-EE7B-798CC553C6C4}"/>
+                </a:ext>
+              </a:extLst>
+            </p:cNvPr>
+            <p:cNvSpPr/>
+            <p:nvPr/>
+          </p:nvSpPr>
+          <p:spPr>
+            <a:xfrm>
+              <a:off x="2016445" y="2399990"/>
+              <a:ext cx="1178242" cy="99060"/>
+            </a:xfrm>
+            <a:prstGeom prst="rect">
+              <a:avLst/>
+            </a:prstGeom>
+            <a:noFill/>
+            <a:ln w="12700">
+              <a:solidFill>
+                <a:srgbClr val="F4B183"/>
+              </a:solidFill>
+              <a:prstDash val="sysDot"/>
+            </a:ln>
+          </p:spPr>
+          <p:style>
+            <a:lnRef idx="2">
+              <a:schemeClr val="accent1">
+                <a:shade val="15000"/>
+              </a:schemeClr>
+            </a:lnRef>
+            <a:fillRef idx="1">
+              <a:schemeClr val="accent1"/>
+            </a:fillRef>
+            <a:effectRef idx="0">
+              <a:schemeClr val="accent1"/>
+            </a:effectRef>
+            <a:fontRef idx="minor">
+              <a:schemeClr val="lt1"/>
+            </a:fontRef>
+          </p:style>
+          <p:txBody>
+            <a:bodyPr rtlCol="0" anchor="ctr"/>
+            <a:lstStyle/>
+            <a:p>
+              <a:pPr algn="ctr"/>
+              <a:endParaRPr lang="en-SE" sz="2187"/>
             </a:p>
           </p:txBody>
         </p:sp>
